--- a/4주차/스마트서비스.pptx
+++ b/4주차/스마트서비스.pptx
@@ -5,19 +5,21 @@
     <p:sldMasterId id="2147483988" r:id="rId1"/>
   </p:sldMasterIdLst>
   <p:notesMasterIdLst>
-    <p:notesMasterId r:id="rId12"/>
+    <p:notesMasterId r:id="rId14"/>
   </p:notesMasterIdLst>
   <p:sldIdLst>
     <p:sldId id="256" r:id="rId2"/>
-    <p:sldId id="263" r:id="rId3"/>
-    <p:sldId id="264" r:id="rId4"/>
-    <p:sldId id="265" r:id="rId5"/>
-    <p:sldId id="262" r:id="rId6"/>
-    <p:sldId id="257" r:id="rId7"/>
-    <p:sldId id="258" r:id="rId8"/>
-    <p:sldId id="259" r:id="rId9"/>
-    <p:sldId id="260" r:id="rId10"/>
-    <p:sldId id="261" r:id="rId11"/>
+    <p:sldId id="267" r:id="rId3"/>
+    <p:sldId id="263" r:id="rId4"/>
+    <p:sldId id="264" r:id="rId5"/>
+    <p:sldId id="265" r:id="rId6"/>
+    <p:sldId id="262" r:id="rId7"/>
+    <p:sldId id="257" r:id="rId8"/>
+    <p:sldId id="258" r:id="rId9"/>
+    <p:sldId id="259" r:id="rId10"/>
+    <p:sldId id="260" r:id="rId11"/>
+    <p:sldId id="261" r:id="rId12"/>
+    <p:sldId id="266" r:id="rId13"/>
   </p:sldIdLst>
   <p:sldSz cx="9906000" cy="6858000" type="A4"/>
   <p:notesSz cx="6858000" cy="9144000"/>
@@ -206,7 +208,7 @@
           <a:p>
             <a:fld id="{7E809637-24C0-40BA-8B76-687A4A6C6307}" type="datetimeFigureOut">
               <a:rPr lang="ko-KR" altLang="en-US" smtClean="0"/>
-              <a:t>2020-04-11</a:t>
+              <a:t>2020-04-13</a:t>
             </a:fld>
             <a:endParaRPr lang="ko-KR" altLang="en-US"/>
           </a:p>
@@ -538,7 +540,7 @@
           <a:p>
             <a:fld id="{0301B60F-C5D4-4CD2-B0C7-7FCADD0BA053}" type="slidenum">
               <a:rPr lang="ko-KR" altLang="en-US" smtClean="0"/>
-              <a:t>2</a:t>
+              <a:t>3</a:t>
             </a:fld>
             <a:endParaRPr lang="ko-KR" altLang="en-US"/>
           </a:p>
@@ -622,7 +624,7 @@
           <a:p>
             <a:fld id="{0301B60F-C5D4-4CD2-B0C7-7FCADD0BA053}" type="slidenum">
               <a:rPr lang="ko-KR" altLang="en-US" smtClean="0"/>
-              <a:t>5</a:t>
+              <a:t>6</a:t>
             </a:fld>
             <a:endParaRPr lang="ko-KR" altLang="en-US"/>
           </a:p>
@@ -737,7 +739,7 @@
           <a:p>
             <a:fld id="{0301B60F-C5D4-4CD2-B0C7-7FCADD0BA053}" type="slidenum">
               <a:rPr lang="ko-KR" altLang="en-US" smtClean="0"/>
-              <a:t>6</a:t>
+              <a:t>7</a:t>
             </a:fld>
             <a:endParaRPr lang="ko-KR" altLang="en-US"/>
           </a:p>
@@ -1060,7 +1062,7 @@
           <a:p>
             <a:fld id="{0301B60F-C5D4-4CD2-B0C7-7FCADD0BA053}" type="slidenum">
               <a:rPr lang="ko-KR" altLang="en-US" smtClean="0"/>
-              <a:t>7</a:t>
+              <a:t>8</a:t>
             </a:fld>
             <a:endParaRPr lang="ko-KR" altLang="en-US"/>
           </a:p>
@@ -1190,7 +1192,7 @@
           <a:p>
             <a:fld id="{0301B60F-C5D4-4CD2-B0C7-7FCADD0BA053}" type="slidenum">
               <a:rPr lang="ko-KR" altLang="en-US" smtClean="0"/>
-              <a:t>8</a:t>
+              <a:t>9</a:t>
             </a:fld>
             <a:endParaRPr lang="ko-KR" altLang="en-US"/>
           </a:p>
@@ -1455,7 +1457,7 @@
           <a:p>
             <a:fld id="{0301B60F-C5D4-4CD2-B0C7-7FCADD0BA053}" type="slidenum">
               <a:rPr lang="ko-KR" altLang="en-US" smtClean="0"/>
-              <a:t>9</a:t>
+              <a:t>10</a:t>
             </a:fld>
             <a:endParaRPr lang="ko-KR" altLang="en-US"/>
           </a:p>
@@ -1756,6 +1758,9 @@
             </a:r>
             <a:endParaRPr lang="ko-KR" altLang="en-US" dirty="0"/>
           </a:p>
+          <a:p>
+            <a:endParaRPr lang="ko-KR" altLang="en-US" dirty="0"/>
+          </a:p>
         </p:txBody>
       </p:sp>
       <p:sp>
@@ -1775,7 +1780,7 @@
           <a:p>
             <a:fld id="{0301B60F-C5D4-4CD2-B0C7-7FCADD0BA053}" type="slidenum">
               <a:rPr lang="ko-KR" altLang="en-US" smtClean="0"/>
-              <a:t>10</a:t>
+              <a:t>11</a:t>
             </a:fld>
             <a:endParaRPr lang="ko-KR" altLang="en-US"/>
           </a:p>
@@ -1785,6 +1790,236 @@
     <p:extLst>
       <p:ext uri="{BB962C8B-B14F-4D97-AF65-F5344CB8AC3E}">
         <p14:creationId xmlns:p14="http://schemas.microsoft.com/office/powerpoint/2010/main" val="2721801384"/>
+      </p:ext>
+    </p:extLst>
+  </p:cSld>
+  <p:clrMapOvr>
+    <a:masterClrMapping/>
+  </p:clrMapOvr>
+</p:notes>
+</file>
+
+<file path=ppt/notesSlides/notesSlide8.xml><?xml version="1.0" encoding="utf-8"?>
+<p:notes xmlns:a="http://schemas.openxmlformats.org/drawingml/2006/main" xmlns:r="http://schemas.openxmlformats.org/officeDocument/2006/relationships" xmlns:p="http://schemas.openxmlformats.org/presentationml/2006/main">
+  <p:cSld>
+    <p:spTree>
+      <p:nvGrpSpPr>
+        <p:cNvPr id="1" name=""/>
+        <p:cNvGrpSpPr/>
+        <p:nvPr/>
+      </p:nvGrpSpPr>
+      <p:grpSpPr>
+        <a:xfrm>
+          <a:off x="0" y="0"/>
+          <a:ext cx="0" cy="0"/>
+          <a:chOff x="0" y="0"/>
+          <a:chExt cx="0" cy="0"/>
+        </a:xfrm>
+      </p:grpSpPr>
+      <p:sp>
+        <p:nvSpPr>
+          <p:cNvPr id="2" name="슬라이드 이미지 개체 틀 1"/>
+          <p:cNvSpPr>
+            <a:spLocks noGrp="1" noRot="1" noChangeAspect="1"/>
+          </p:cNvSpPr>
+          <p:nvPr>
+            <p:ph type="sldImg"/>
+          </p:nvPr>
+        </p:nvSpPr>
+        <p:spPr/>
+      </p:sp>
+      <p:sp>
+        <p:nvSpPr>
+          <p:cNvPr id="3" name="슬라이드 노트 개체 틀 2"/>
+          <p:cNvSpPr>
+            <a:spLocks noGrp="1"/>
+          </p:cNvSpPr>
+          <p:nvPr>
+            <p:ph type="body" idx="1"/>
+          </p:nvPr>
+        </p:nvSpPr>
+        <p:spPr/>
+        <p:txBody>
+          <a:bodyPr/>
+          <a:lstStyle/>
+          <a:p>
+            <a:r>
+              <a:rPr lang="ko-KR" altLang="en-US" dirty="0"/>
+              <a:t>가속도센서</a:t>
+            </a:r>
+            <a:endParaRPr lang="en-US" altLang="ko-KR" dirty="0"/>
+          </a:p>
+          <a:p>
+            <a:r>
+              <a:rPr lang="en-US" altLang="ko-KR" dirty="0"/>
+              <a:t>3</a:t>
+            </a:r>
+            <a:r>
+              <a:rPr lang="ko-KR" altLang="en-US" dirty="0"/>
+              <a:t>방향의 가속도 정보를 인식 가능하다</a:t>
+            </a:r>
+            <a:r>
+              <a:rPr lang="en-US" altLang="ko-KR" dirty="0"/>
+              <a:t>.</a:t>
+            </a:r>
+          </a:p>
+          <a:p>
+            <a:r>
+              <a:rPr lang="ko-KR" altLang="en-US" dirty="0"/>
+              <a:t>속도에 대한 값은 가속도 값을 적분하여 얻는다</a:t>
+            </a:r>
+            <a:r>
+              <a:rPr lang="en-US" altLang="ko-KR" dirty="0"/>
+              <a:t>.</a:t>
+            </a:r>
+          </a:p>
+          <a:p>
+            <a:r>
+              <a:rPr lang="ko-KR" altLang="en-US" dirty="0"/>
+              <a:t>변위</a:t>
+            </a:r>
+            <a:r>
+              <a:rPr lang="en-US" altLang="ko-KR" dirty="0"/>
+              <a:t>(</a:t>
+            </a:r>
+            <a:r>
+              <a:rPr lang="ko-KR" altLang="en-US" dirty="0"/>
+              <a:t>길이</a:t>
+            </a:r>
+            <a:r>
+              <a:rPr lang="en-US" altLang="ko-KR" dirty="0"/>
+              <a:t>, </a:t>
+            </a:r>
+            <a:r>
+              <a:rPr lang="ko-KR" altLang="en-US" dirty="0"/>
+              <a:t>위치</a:t>
+            </a:r>
+            <a:r>
+              <a:rPr lang="en-US" altLang="ko-KR" dirty="0"/>
+              <a:t>)</a:t>
+            </a:r>
+            <a:r>
+              <a:rPr lang="ko-KR" altLang="en-US" dirty="0"/>
+              <a:t>에 대한 값은 가속도 값을 </a:t>
+            </a:r>
+            <a:r>
+              <a:rPr lang="ko-KR" altLang="en-US" dirty="0" err="1"/>
+              <a:t>이중적분하여</a:t>
+            </a:r>
+            <a:r>
+              <a:rPr lang="ko-KR" altLang="en-US" dirty="0"/>
+              <a:t> 얻는다</a:t>
+            </a:r>
+            <a:r>
+              <a:rPr lang="en-US" altLang="ko-KR" dirty="0"/>
+              <a:t>.</a:t>
+            </a:r>
+            <a:r>
+              <a:rPr lang="ko-KR" altLang="en-US" dirty="0"/>
+              <a:t> </a:t>
+            </a:r>
+            <a:endParaRPr lang="en-US" altLang="ko-KR" dirty="0"/>
+          </a:p>
+          <a:p>
+            <a:endParaRPr lang="en-US" altLang="ko-KR" dirty="0"/>
+          </a:p>
+          <a:p>
+            <a:r>
+              <a:rPr lang="ko-KR" altLang="en-US" dirty="0" err="1"/>
+              <a:t>자이로센서</a:t>
+            </a:r>
+            <a:endParaRPr lang="en-US" altLang="ko-KR" dirty="0"/>
+          </a:p>
+          <a:p>
+            <a:r>
+              <a:rPr lang="en-US" altLang="ko-KR" dirty="0"/>
+              <a:t>3</a:t>
+            </a:r>
+            <a:r>
+              <a:rPr lang="ko-KR" altLang="en-US" dirty="0"/>
+              <a:t>방향의 회전가속도 정보를 인식한다</a:t>
+            </a:r>
+            <a:r>
+              <a:rPr lang="en-US" altLang="ko-KR" dirty="0"/>
+              <a:t>.</a:t>
+            </a:r>
+          </a:p>
+          <a:p>
+            <a:r>
+              <a:rPr lang="ko-KR" altLang="en-US" dirty="0"/>
+              <a:t>각속도에 대한 값은 각가속도 값을 적분하여 얻는다</a:t>
+            </a:r>
+            <a:r>
+              <a:rPr lang="en-US" altLang="ko-KR" dirty="0"/>
+              <a:t>.</a:t>
+            </a:r>
+          </a:p>
+          <a:p>
+            <a:r>
+              <a:rPr lang="ko-KR" altLang="en-US" dirty="0"/>
+              <a:t>방향에 대한 값은 각가속도 값을 </a:t>
+            </a:r>
+            <a:r>
+              <a:rPr lang="ko-KR" altLang="en-US" dirty="0" err="1"/>
+              <a:t>이중적분하여</a:t>
+            </a:r>
+            <a:r>
+              <a:rPr lang="ko-KR" altLang="en-US" dirty="0"/>
+              <a:t> 얻는다</a:t>
+            </a:r>
+            <a:r>
+              <a:rPr lang="en-US" altLang="ko-KR" dirty="0"/>
+              <a:t>.</a:t>
+            </a:r>
+          </a:p>
+          <a:p>
+            <a:endParaRPr lang="en-US" altLang="ko-KR" dirty="0"/>
+          </a:p>
+          <a:p>
+            <a:r>
+              <a:rPr lang="ko-KR" altLang="en-US" dirty="0"/>
+              <a:t>참고자료</a:t>
+            </a:r>
+            <a:endParaRPr lang="en-US" altLang="ko-KR" dirty="0"/>
+          </a:p>
+          <a:p>
+            <a:r>
+              <a:rPr lang="en-US" altLang="ko-KR" dirty="0">
+                <a:hlinkClick r:id="rId3"/>
+              </a:rPr>
+              <a:t>https://www.digikey.kr/ko/articles/apply-sensor-fusion-to-accelerometers-and-gyroscopes</a:t>
+            </a:r>
+            <a:endParaRPr lang="ko-KR" altLang="en-US" dirty="0"/>
+          </a:p>
+        </p:txBody>
+      </p:sp>
+      <p:sp>
+        <p:nvSpPr>
+          <p:cNvPr id="4" name="슬라이드 번호 개체 틀 3"/>
+          <p:cNvSpPr>
+            <a:spLocks noGrp="1"/>
+          </p:cNvSpPr>
+          <p:nvPr>
+            <p:ph type="sldNum" sz="quarter" idx="5"/>
+          </p:nvPr>
+        </p:nvSpPr>
+        <p:spPr/>
+        <p:txBody>
+          <a:bodyPr/>
+          <a:lstStyle/>
+          <a:p>
+            <a:fld id="{0301B60F-C5D4-4CD2-B0C7-7FCADD0BA053}" type="slidenum">
+              <a:rPr lang="ko-KR" altLang="en-US" smtClean="0"/>
+              <a:t>12</a:t>
+            </a:fld>
+            <a:endParaRPr lang="ko-KR" altLang="en-US"/>
+          </a:p>
+        </p:txBody>
+      </p:sp>
+    </p:spTree>
+    <p:extLst>
+      <p:ext uri="{BB962C8B-B14F-4D97-AF65-F5344CB8AC3E}">
+        <p14:creationId xmlns:p14="http://schemas.microsoft.com/office/powerpoint/2010/main" val="4214027583"/>
       </p:ext>
     </p:extLst>
   </p:cSld>
@@ -1964,7 +2199,7 @@
           <a:p>
             <a:fld id="{073ED0CC-082F-4160-86E5-0D6041F12778}" type="datetime1">
               <a:rPr lang="en-US" smtClean="0"/>
-              <a:t>4/11/2020</a:t>
+              <a:t>4/13/2020</a:t>
             </a:fld>
             <a:endParaRPr lang="en-US" dirty="0"/>
           </a:p>
@@ -2232,7 +2467,7 @@
           <a:p>
             <a:fld id="{073ED0CC-082F-4160-86E5-0D6041F12778}" type="datetime1">
               <a:rPr lang="en-US" smtClean="0"/>
-              <a:t>4/11/2020</a:t>
+              <a:t>4/13/2020</a:t>
             </a:fld>
             <a:endParaRPr lang="en-US" dirty="0"/>
           </a:p>
@@ -2464,7 +2699,7 @@
           <a:p>
             <a:fld id="{073ED0CC-082F-4160-86E5-0D6041F12778}" type="datetime1">
               <a:rPr lang="en-US" smtClean="0"/>
-              <a:t>4/11/2020</a:t>
+              <a:t>4/13/2020</a:t>
             </a:fld>
             <a:endParaRPr lang="en-US" dirty="0"/>
           </a:p>
@@ -2775,7 +3010,7 @@
           <a:p>
             <a:fld id="{073ED0CC-082F-4160-86E5-0D6041F12778}" type="datetime1">
               <a:rPr lang="en-US" smtClean="0"/>
-              <a:t>4/11/2020</a:t>
+              <a:t>4/13/2020</a:t>
             </a:fld>
             <a:endParaRPr lang="en-US" dirty="0"/>
           </a:p>
@@ -3249,7 +3484,7 @@
           <a:p>
             <a:fld id="{073ED0CC-082F-4160-86E5-0D6041F12778}" type="datetime1">
               <a:rPr lang="en-US" smtClean="0"/>
-              <a:t>4/11/2020</a:t>
+              <a:t>4/13/2020</a:t>
             </a:fld>
             <a:endParaRPr lang="en-US" dirty="0"/>
           </a:p>
@@ -3797,7 +4032,7 @@
           <a:p>
             <a:fld id="{073ED0CC-082F-4160-86E5-0D6041F12778}" type="datetime1">
               <a:rPr lang="en-US" smtClean="0"/>
-              <a:t>4/11/2020</a:t>
+              <a:t>4/13/2020</a:t>
             </a:fld>
             <a:endParaRPr lang="en-US" dirty="0"/>
           </a:p>
@@ -4572,7 +4807,7 @@
           <a:p>
             <a:fld id="{073ED0CC-082F-4160-86E5-0D6041F12778}" type="datetime1">
               <a:rPr lang="en-US" smtClean="0"/>
-              <a:t>4/11/2020</a:t>
+              <a:t>4/13/2020</a:t>
             </a:fld>
             <a:endParaRPr lang="en-US" dirty="0"/>
           </a:p>
@@ -4748,7 +4983,7 @@
           <a:p>
             <a:fld id="{073ED0CC-082F-4160-86E5-0D6041F12778}" type="datetime1">
               <a:rPr lang="en-US" smtClean="0"/>
-              <a:t>4/11/2020</a:t>
+              <a:t>4/13/2020</a:t>
             </a:fld>
             <a:endParaRPr lang="en-US" dirty="0"/>
           </a:p>
@@ -4972,7 +5207,7 @@
           <a:p>
             <a:fld id="{073ED0CC-082F-4160-86E5-0D6041F12778}" type="datetime1">
               <a:rPr lang="en-US" smtClean="0"/>
-              <a:t>4/11/2020</a:t>
+              <a:t>4/13/2020</a:t>
             </a:fld>
             <a:endParaRPr lang="en-US" dirty="0"/>
           </a:p>
@@ -5153,7 +5388,7 @@
           <a:p>
             <a:fld id="{073ED0CC-082F-4160-86E5-0D6041F12778}" type="datetime1">
               <a:rPr lang="en-US" smtClean="0"/>
-              <a:t>4/11/2020</a:t>
+              <a:t>4/13/2020</a:t>
             </a:fld>
             <a:endParaRPr lang="en-US" dirty="0"/>
           </a:p>
@@ -5443,7 +5678,7 @@
           <a:p>
             <a:fld id="{073ED0CC-082F-4160-86E5-0D6041F12778}" type="datetime1">
               <a:rPr lang="en-US" smtClean="0"/>
-              <a:t>4/11/2020</a:t>
+              <a:t>4/13/2020</a:t>
             </a:fld>
             <a:endParaRPr lang="en-US" dirty="0"/>
           </a:p>
@@ -5686,7 +5921,7 @@
           <a:p>
             <a:fld id="{073ED0CC-082F-4160-86E5-0D6041F12778}" type="datetime1">
               <a:rPr lang="en-US" smtClean="0"/>
-              <a:t>4/11/2020</a:t>
+              <a:t>4/13/2020</a:t>
             </a:fld>
             <a:endParaRPr lang="en-US" dirty="0"/>
           </a:p>
@@ -6066,7 +6301,7 @@
           <a:p>
             <a:fld id="{073ED0CC-082F-4160-86E5-0D6041F12778}" type="datetime1">
               <a:rPr lang="en-US" smtClean="0"/>
-              <a:t>4/11/2020</a:t>
+              <a:t>4/13/2020</a:t>
             </a:fld>
             <a:endParaRPr lang="en-US" dirty="0"/>
           </a:p>
@@ -6185,7 +6420,7 @@
           <a:p>
             <a:fld id="{073ED0CC-082F-4160-86E5-0D6041F12778}" type="datetime1">
               <a:rPr lang="en-US" smtClean="0"/>
-              <a:t>4/11/2020</a:t>
+              <a:t>4/13/2020</a:t>
             </a:fld>
             <a:endParaRPr lang="en-US" dirty="0"/>
           </a:p>
@@ -6281,7 +6516,7 @@
           <a:p>
             <a:fld id="{073ED0CC-082F-4160-86E5-0D6041F12778}" type="datetime1">
               <a:rPr lang="en-US" smtClean="0"/>
-              <a:t>4/11/2020</a:t>
+              <a:t>4/13/2020</a:t>
             </a:fld>
             <a:endParaRPr lang="en-US" dirty="0"/>
           </a:p>
@@ -6531,7 +6766,7 @@
           <a:p>
             <a:fld id="{073ED0CC-082F-4160-86E5-0D6041F12778}" type="datetime1">
               <a:rPr lang="en-US" smtClean="0"/>
-              <a:t>4/11/2020</a:t>
+              <a:t>4/13/2020</a:t>
             </a:fld>
             <a:endParaRPr lang="en-US" dirty="0"/>
           </a:p>
@@ -6789,7 +7024,7 @@
           <a:p>
             <a:fld id="{073ED0CC-082F-4160-86E5-0D6041F12778}" type="datetime1">
               <a:rPr lang="en-US" smtClean="0"/>
-              <a:t>4/11/2020</a:t>
+              <a:t>4/13/2020</a:t>
             </a:fld>
             <a:endParaRPr lang="en-US" dirty="0"/>
           </a:p>
@@ -7033,7 +7268,7 @@
           <a:p>
             <a:fld id="{073ED0CC-082F-4160-86E5-0D6041F12778}" type="datetime1">
               <a:rPr lang="en-US" smtClean="0"/>
-              <a:t>4/11/2020</a:t>
+              <a:t>4/13/2020</a:t>
             </a:fld>
             <a:endParaRPr lang="en-US" dirty="0"/>
           </a:p>
@@ -7615,1673 +7850,6 @@
 </file>
 
 <file path=ppt/slides/slide10.xml><?xml version="1.0" encoding="utf-8"?>
-<p:sld xmlns:a="http://schemas.openxmlformats.org/drawingml/2006/main" xmlns:r="http://schemas.openxmlformats.org/officeDocument/2006/relationships" xmlns:p="http://schemas.openxmlformats.org/presentationml/2006/main">
-  <p:cSld>
-    <p:spTree>
-      <p:nvGrpSpPr>
-        <p:cNvPr id="1" name=""/>
-        <p:cNvGrpSpPr/>
-        <p:nvPr/>
-      </p:nvGrpSpPr>
-      <p:grpSpPr>
-        <a:xfrm>
-          <a:off x="0" y="0"/>
-          <a:ext cx="0" cy="0"/>
-          <a:chOff x="0" y="0"/>
-          <a:chExt cx="0" cy="0"/>
-        </a:xfrm>
-      </p:grpSpPr>
-      <p:sp>
-        <p:nvSpPr>
-          <p:cNvPr id="3" name="TextBox 2"/>
-          <p:cNvSpPr txBox="1">
-            <a:spLocks/>
-          </p:cNvSpPr>
-          <p:nvPr/>
-        </p:nvSpPr>
-        <p:spPr>
-          <a:xfrm>
-            <a:off x="975995" y="1947110"/>
-            <a:ext cx="7954010" cy="4401205"/>
-          </a:xfrm>
-          <a:prstGeom prst="rect">
-            <a:avLst/>
-          </a:prstGeom>
-          <a:noFill/>
-        </p:spPr>
-        <p:txBody>
-          <a:bodyPr vert="horz" wrap="square" lIns="91440" tIns="45720" rIns="91440" bIns="45720" numCol="1" anchor="t">
-            <a:spAutoFit/>
-          </a:bodyPr>
-          <a:lstStyle/>
-          <a:p>
-            <a:pPr marL="0" indent="0" defTabSz="508000">
-              <a:buFontTx/>
-              <a:buNone/>
-            </a:pPr>
-            <a:r>
-              <a:rPr lang="en-US" altLang="ko-KR" sz="2000" b="1" dirty="0"/>
-              <a:t>MEMS(Micro-Electro-Mechanical Systems)</a:t>
-            </a:r>
-          </a:p>
-          <a:p>
-            <a:pPr marL="0" indent="0" defTabSz="508000">
-              <a:buFontTx/>
-              <a:buNone/>
-            </a:pPr>
-            <a:r>
-              <a:rPr lang="ko-KR" altLang="en-US" sz="2000" dirty="0"/>
-              <a:t>나노기술을 이용해 제작되는 매우 작은 기계를 의미한다</a:t>
-            </a:r>
-            <a:r>
-              <a:rPr lang="en-US" altLang="ko-KR" sz="2000" dirty="0"/>
-              <a:t>.</a:t>
-            </a:r>
-          </a:p>
-          <a:p>
-            <a:pPr marL="0" indent="0" defTabSz="508000">
-              <a:buFontTx/>
-              <a:buNone/>
-            </a:pPr>
-            <a:endParaRPr lang="ko-KR" altLang="en-US" sz="2000" dirty="0"/>
-          </a:p>
-          <a:p>
-            <a:pPr marL="0" indent="0" defTabSz="508000">
-              <a:buFontTx/>
-              <a:buNone/>
-            </a:pPr>
-            <a:r>
-              <a:rPr lang="ko-KR" altLang="en-US" sz="2000" b="1" dirty="0"/>
-              <a:t>가속도</a:t>
-            </a:r>
-            <a:endParaRPr lang="en-US" altLang="ko-KR" sz="2000" b="1" dirty="0"/>
-          </a:p>
-          <a:p>
-            <a:pPr marL="0" indent="0" defTabSz="508000">
-              <a:buFontTx/>
-              <a:buNone/>
-            </a:pPr>
-            <a:r>
-              <a:rPr lang="ko-KR" altLang="en-US" sz="2000" dirty="0"/>
-              <a:t>가속도 값을 적분할 시 속도 값을 얻을 수 있다</a:t>
-            </a:r>
-            <a:r>
-              <a:rPr lang="en-US" altLang="ko-KR" sz="2000" dirty="0"/>
-              <a:t>.</a:t>
-            </a:r>
-          </a:p>
-          <a:p>
-            <a:pPr marL="0" indent="0" defTabSz="508000">
-              <a:buFontTx/>
-              <a:buNone/>
-            </a:pPr>
-            <a:r>
-              <a:rPr lang="ko-KR" altLang="en-US" sz="2000" dirty="0"/>
-              <a:t>속도 값을 적분할 시 변위</a:t>
-            </a:r>
-            <a:r>
-              <a:rPr lang="en-US" altLang="ko-KR" sz="2000" dirty="0"/>
-              <a:t>(</a:t>
-            </a:r>
-            <a:r>
-              <a:rPr lang="ko-KR" altLang="en-US" sz="2000" dirty="0"/>
-              <a:t>길이</a:t>
-            </a:r>
-            <a:r>
-              <a:rPr lang="en-US" altLang="ko-KR" sz="2000" dirty="0"/>
-              <a:t>, </a:t>
-            </a:r>
-            <a:r>
-              <a:rPr lang="ko-KR" altLang="en-US" sz="2000" dirty="0"/>
-              <a:t>위치</a:t>
-            </a:r>
-            <a:r>
-              <a:rPr lang="en-US" altLang="ko-KR" sz="2000" dirty="0"/>
-              <a:t>) </a:t>
-            </a:r>
-            <a:r>
-              <a:rPr lang="ko-KR" altLang="en-US" sz="2000" dirty="0"/>
-              <a:t>값을 얻을 수 있다</a:t>
-            </a:r>
-            <a:r>
-              <a:rPr lang="en-US" altLang="ko-KR" sz="2000" dirty="0"/>
-              <a:t>.</a:t>
-            </a:r>
-            <a:endParaRPr lang="ko-KR" altLang="en-US" sz="2000" dirty="0"/>
-          </a:p>
-          <a:p>
-            <a:pPr marL="0" indent="0" defTabSz="508000">
-              <a:buFontTx/>
-              <a:buNone/>
-            </a:pPr>
-            <a:endParaRPr lang="ko-KR" altLang="en-US" sz="2000" dirty="0"/>
-          </a:p>
-          <a:p>
-            <a:pPr marL="0" indent="0" defTabSz="508000">
-              <a:buFontTx/>
-              <a:buNone/>
-            </a:pPr>
-            <a:r>
-              <a:rPr lang="ko-KR" altLang="en-US" sz="2000" b="1" dirty="0" err="1"/>
-              <a:t>자이로</a:t>
-            </a:r>
-            <a:endParaRPr lang="en-US" altLang="ko-KR" sz="2000" b="1" dirty="0"/>
-          </a:p>
-          <a:p>
-            <a:pPr marL="0" indent="0" defTabSz="508000">
-              <a:buFontTx/>
-              <a:buNone/>
-            </a:pPr>
-            <a:r>
-              <a:rPr lang="ko-KR" altLang="en-US" sz="2000" dirty="0"/>
-              <a:t>각가속도 값을 적분할 시 각속도 값을 얻을 수 있다</a:t>
-            </a:r>
-            <a:r>
-              <a:rPr lang="en-US" altLang="ko-KR" sz="2000" dirty="0"/>
-              <a:t>.</a:t>
-            </a:r>
-          </a:p>
-          <a:p>
-            <a:pPr marL="0" indent="0" defTabSz="508000">
-              <a:buFontTx/>
-              <a:buNone/>
-            </a:pPr>
-            <a:r>
-              <a:rPr lang="ko-KR" altLang="en-US" sz="2000" dirty="0"/>
-              <a:t>각속도 값을 적분할 시 방향 값을 얻을 수 있다</a:t>
-            </a:r>
-            <a:r>
-              <a:rPr lang="en-US" altLang="ko-KR" sz="2000" dirty="0"/>
-              <a:t>.</a:t>
-            </a:r>
-          </a:p>
-          <a:p>
-            <a:pPr marL="0" indent="0" defTabSz="508000">
-              <a:buFontTx/>
-              <a:buNone/>
-            </a:pPr>
-            <a:endParaRPr lang="en-US" altLang="ko-KR" sz="2000" dirty="0"/>
-          </a:p>
-          <a:p>
-            <a:pPr marL="0" indent="0" defTabSz="508000">
-              <a:buFontTx/>
-              <a:buNone/>
-            </a:pPr>
-            <a:r>
-              <a:rPr lang="ko-KR" altLang="en-US" sz="2000" b="1" dirty="0"/>
-              <a:t>조합</a:t>
-            </a:r>
-            <a:endParaRPr lang="en-US" altLang="ko-KR" sz="2000" b="1" dirty="0"/>
-          </a:p>
-          <a:p>
-            <a:pPr marL="0" indent="0" defTabSz="508000">
-              <a:buFontTx/>
-              <a:buNone/>
-            </a:pPr>
-            <a:r>
-              <a:rPr lang="ko-KR" altLang="en-US" sz="2000" dirty="0"/>
-              <a:t>움직임</a:t>
-            </a:r>
-            <a:r>
-              <a:rPr lang="en-US" altLang="ko-KR" sz="2000" dirty="0"/>
-              <a:t>(Movement), </a:t>
-            </a:r>
-            <a:r>
-              <a:rPr lang="ko-KR" altLang="en-US" sz="2000" dirty="0"/>
-              <a:t>진동</a:t>
-            </a:r>
-            <a:r>
-              <a:rPr lang="en-US" altLang="ko-KR" sz="2000" dirty="0"/>
-              <a:t>(Vibration), </a:t>
-            </a:r>
-            <a:r>
-              <a:rPr lang="ko-KR" altLang="en-US" sz="2000" dirty="0"/>
-              <a:t>낙하</a:t>
-            </a:r>
-            <a:r>
-              <a:rPr lang="en-US" altLang="ko-KR" sz="2000" dirty="0"/>
-              <a:t>(Fall), </a:t>
-            </a:r>
-            <a:r>
-              <a:rPr lang="ko-KR" altLang="en-US" sz="2000" dirty="0"/>
-              <a:t>기울기</a:t>
-            </a:r>
-            <a:r>
-              <a:rPr lang="en-US" altLang="ko-KR" sz="2000" dirty="0"/>
-              <a:t>(Tilt), </a:t>
-            </a:r>
-            <a:r>
-              <a:rPr lang="ko-KR" altLang="en-US" sz="2000" dirty="0"/>
-              <a:t>충격</a:t>
-            </a:r>
-            <a:r>
-              <a:rPr lang="en-US" altLang="ko-KR" sz="2000" dirty="0"/>
-              <a:t>(Shock), </a:t>
-            </a:r>
-            <a:r>
-              <a:rPr lang="ko-KR" altLang="en-US" sz="2000" dirty="0"/>
-              <a:t>위치</a:t>
-            </a:r>
-            <a:r>
-              <a:rPr lang="en-US" altLang="ko-KR" sz="2000" dirty="0"/>
-              <a:t>(Position)</a:t>
-            </a:r>
-            <a:r>
-              <a:rPr lang="ko-KR" altLang="en-US" sz="2000" dirty="0"/>
-              <a:t>를 </a:t>
-            </a:r>
-            <a:r>
-              <a:rPr lang="ko-KR" altLang="en-US" sz="2000" dirty="0" err="1"/>
-              <a:t>측정가능하다</a:t>
-            </a:r>
-            <a:r>
-              <a:rPr lang="en-US" altLang="ko-KR" sz="2000" dirty="0"/>
-              <a:t>.</a:t>
-            </a:r>
-            <a:endParaRPr lang="ko-KR" altLang="en-US" sz="2000" dirty="0"/>
-          </a:p>
-        </p:txBody>
-      </p:sp>
-      <p:sp>
-        <p:nvSpPr>
-          <p:cNvPr id="4" name="직사각형 3">
-            <a:extLst>
-              <a:ext uri="{FF2B5EF4-FFF2-40B4-BE49-F238E27FC236}">
-                <a16:creationId xmlns:a16="http://schemas.microsoft.com/office/drawing/2014/main" id="{9E7A48F8-D51E-429A-A104-2DF07A77CB3A}"/>
-              </a:ext>
-            </a:extLst>
-          </p:cNvPr>
-          <p:cNvSpPr/>
-          <p:nvPr/>
-        </p:nvSpPr>
-        <p:spPr>
-          <a:xfrm>
-            <a:off x="3664161" y="434975"/>
-            <a:ext cx="5952271" cy="707886"/>
-          </a:xfrm>
-          <a:prstGeom prst="rect">
-            <a:avLst/>
-          </a:prstGeom>
-          <a:noFill/>
-        </p:spPr>
-        <p:txBody>
-          <a:bodyPr vert="horz" wrap="none" lIns="91440" tIns="45720" rIns="91440" bIns="45720" numCol="1" anchor="t">
-            <a:spAutoFit/>
-          </a:bodyPr>
-          <a:lstStyle/>
-          <a:p>
-            <a:pPr marL="0" indent="0" algn="ctr" defTabSz="508000">
-              <a:buFontTx/>
-              <a:buNone/>
-            </a:pPr>
-            <a:r>
-              <a:rPr lang="ko-KR" altLang="en-US" sz="4000" b="1" dirty="0">
-                <a:effectLst>
-                  <a:outerShdw blurRad="38100" dist="19050" dir="2700000" algn="tl" rotWithShape="0">
-                    <a:schemeClr val="dk1">
-                      <a:alpha val="40000"/>
-                    </a:schemeClr>
-                  </a:outerShdw>
-                </a:effectLst>
-              </a:rPr>
-              <a:t>가속도 센서</a:t>
-            </a:r>
-            <a:r>
-              <a:rPr lang="en-US" altLang="ko-KR" sz="4000" b="1" dirty="0">
-                <a:effectLst>
-                  <a:outerShdw blurRad="38100" dist="19050" dir="2700000" algn="tl" rotWithShape="0">
-                    <a:schemeClr val="dk1">
-                      <a:alpha val="40000"/>
-                    </a:schemeClr>
-                  </a:outerShdw>
-                </a:effectLst>
-              </a:rPr>
-              <a:t>&amp;</a:t>
-            </a:r>
-            <a:r>
-              <a:rPr lang="ko-KR" altLang="en-US" sz="4000" b="1" dirty="0" err="1">
-                <a:effectLst>
-                  <a:outerShdw blurRad="38100" dist="19050" dir="2700000" algn="tl" rotWithShape="0">
-                    <a:schemeClr val="dk1">
-                      <a:alpha val="40000"/>
-                    </a:schemeClr>
-                  </a:outerShdw>
-                </a:effectLst>
-              </a:rPr>
-              <a:t>자이로</a:t>
-            </a:r>
-            <a:r>
-              <a:rPr lang="ko-KR" altLang="en-US" sz="4000" b="1" dirty="0">
-                <a:effectLst>
-                  <a:outerShdw blurRad="38100" dist="19050" dir="2700000" algn="tl" rotWithShape="0">
-                    <a:schemeClr val="dk1">
-                      <a:alpha val="40000"/>
-                    </a:schemeClr>
-                  </a:outerShdw>
-                </a:effectLst>
-              </a:rPr>
-              <a:t> 센서</a:t>
-            </a:r>
-            <a:endParaRPr lang="ko-KR" altLang="en-US" sz="4000" b="1" dirty="0"/>
-          </a:p>
-        </p:txBody>
-      </p:sp>
-      <p:sp>
-        <p:nvSpPr>
-          <p:cNvPr id="5" name="TextBox 4">
-            <a:extLst>
-              <a:ext uri="{FF2B5EF4-FFF2-40B4-BE49-F238E27FC236}">
-                <a16:creationId xmlns:a16="http://schemas.microsoft.com/office/drawing/2014/main" id="{9E0C5A4E-03EC-47AB-B12E-C6DEF676E4A8}"/>
-              </a:ext>
-            </a:extLst>
-          </p:cNvPr>
-          <p:cNvSpPr txBox="1"/>
-          <p:nvPr/>
-        </p:nvSpPr>
-        <p:spPr>
-          <a:xfrm>
-            <a:off x="5605399" y="1142861"/>
-            <a:ext cx="2069797" cy="707886"/>
-          </a:xfrm>
-          <a:prstGeom prst="rect">
-            <a:avLst/>
-          </a:prstGeom>
-          <a:noFill/>
-        </p:spPr>
-        <p:txBody>
-          <a:bodyPr wrap="none" rtlCol="0">
-            <a:spAutoFit/>
-          </a:bodyPr>
-          <a:lstStyle/>
-          <a:p>
-            <a:r>
-              <a:rPr lang="en-US" altLang="ko-KR" sz="4000" b="1" dirty="0"/>
-              <a:t>-MEMS-</a:t>
-            </a:r>
-            <a:endParaRPr lang="ko-KR" altLang="en-US" sz="4000" b="1" dirty="0"/>
-          </a:p>
-        </p:txBody>
-      </p:sp>
-    </p:spTree>
-    <p:extLst>
-      <p:ext uri="{BB962C8B-B14F-4D97-AF65-F5344CB8AC3E}">
-        <p14:creationId xmlns:p14="http://schemas.microsoft.com/office/powerpoint/2010/main" val="168574539"/>
-      </p:ext>
-    </p:extLst>
-  </p:cSld>
-  <p:clrMapOvr>
-    <a:masterClrMapping/>
-  </p:clrMapOvr>
-</p:sld>
-</file>
-
-<file path=ppt/slides/slide2.xml><?xml version="1.0" encoding="utf-8"?>
-<p:sld xmlns:a="http://schemas.openxmlformats.org/drawingml/2006/main" xmlns:r="http://schemas.openxmlformats.org/officeDocument/2006/relationships" xmlns:p="http://schemas.openxmlformats.org/presentationml/2006/main">
-  <p:cSld>
-    <p:spTree>
-      <p:nvGrpSpPr>
-        <p:cNvPr id="1" name=""/>
-        <p:cNvGrpSpPr/>
-        <p:nvPr/>
-      </p:nvGrpSpPr>
-      <p:grpSpPr>
-        <a:xfrm>
-          <a:off x="0" y="0"/>
-          <a:ext cx="0" cy="0"/>
-          <a:chOff x="0" y="0"/>
-          <a:chExt cx="0" cy="0"/>
-        </a:xfrm>
-      </p:grpSpPr>
-      <p:sp>
-        <p:nvSpPr>
-          <p:cNvPr id="3" name="직사각형 2">
-            <a:extLst>
-              <a:ext uri="{FF2B5EF4-FFF2-40B4-BE49-F238E27FC236}">
-                <a16:creationId xmlns:a16="http://schemas.microsoft.com/office/drawing/2014/main" id="{395143CD-1FE9-41CC-88AB-8BC072125ED3}"/>
-              </a:ext>
-            </a:extLst>
-          </p:cNvPr>
-          <p:cNvSpPr/>
-          <p:nvPr/>
-        </p:nvSpPr>
-        <p:spPr>
-          <a:xfrm>
-            <a:off x="2444944" y="2413337"/>
-            <a:ext cx="5016118" cy="1015663"/>
-          </a:xfrm>
-          <a:prstGeom prst="rect">
-            <a:avLst/>
-          </a:prstGeom>
-          <a:noFill/>
-        </p:spPr>
-        <p:txBody>
-          <a:bodyPr vert="horz" wrap="none" lIns="91440" tIns="45720" rIns="91440" bIns="45720" numCol="1" anchor="t">
-            <a:spAutoFit/>
-          </a:bodyPr>
-          <a:lstStyle/>
-          <a:p>
-            <a:pPr marL="0" indent="0" algn="ctr" defTabSz="508000">
-              <a:buFontTx/>
-              <a:buNone/>
-            </a:pPr>
-            <a:r>
-              <a:rPr lang="ko-KR" altLang="en-US" sz="6000" b="1" dirty="0"/>
-              <a:t>제작할 서비스</a:t>
-            </a:r>
-          </a:p>
-        </p:txBody>
-      </p:sp>
-    </p:spTree>
-    <p:extLst>
-      <p:ext uri="{BB962C8B-B14F-4D97-AF65-F5344CB8AC3E}">
-        <p14:creationId xmlns:p14="http://schemas.microsoft.com/office/powerpoint/2010/main" val="2780544239"/>
-      </p:ext>
-    </p:extLst>
-  </p:cSld>
-  <p:clrMapOvr>
-    <a:masterClrMapping/>
-  </p:clrMapOvr>
-</p:sld>
-</file>
-
-<file path=ppt/slides/slide3.xml><?xml version="1.0" encoding="utf-8"?>
-<p:sld xmlns:a="http://schemas.openxmlformats.org/drawingml/2006/main" xmlns:r="http://schemas.openxmlformats.org/officeDocument/2006/relationships" xmlns:p="http://schemas.openxmlformats.org/presentationml/2006/main">
-  <p:cSld>
-    <p:spTree>
-      <p:nvGrpSpPr>
-        <p:cNvPr id="1" name=""/>
-        <p:cNvGrpSpPr/>
-        <p:nvPr/>
-      </p:nvGrpSpPr>
-      <p:grpSpPr>
-        <a:xfrm>
-          <a:off x="0" y="0"/>
-          <a:ext cx="0" cy="0"/>
-          <a:chOff x="0" y="0"/>
-          <a:chExt cx="0" cy="0"/>
-        </a:xfrm>
-      </p:grpSpPr>
-      <p:sp>
-        <p:nvSpPr>
-          <p:cNvPr id="2" name="직사각형 1">
-            <a:extLst>
-              <a:ext uri="{FF2B5EF4-FFF2-40B4-BE49-F238E27FC236}">
-                <a16:creationId xmlns:a16="http://schemas.microsoft.com/office/drawing/2014/main" id="{05E2ACA8-CF14-446C-A9E2-DCF4AFF8EA50}"/>
-              </a:ext>
-            </a:extLst>
-          </p:cNvPr>
-          <p:cNvSpPr/>
-          <p:nvPr/>
-        </p:nvSpPr>
-        <p:spPr>
-          <a:xfrm>
-            <a:off x="4470540" y="434975"/>
-            <a:ext cx="4493538" cy="707886"/>
-          </a:xfrm>
-          <a:prstGeom prst="rect">
-            <a:avLst/>
-          </a:prstGeom>
-          <a:noFill/>
-        </p:spPr>
-        <p:txBody>
-          <a:bodyPr vert="horz" wrap="none" lIns="91440" tIns="45720" rIns="91440" bIns="45720" numCol="1" anchor="t">
-            <a:spAutoFit/>
-          </a:bodyPr>
-          <a:lstStyle/>
-          <a:p>
-            <a:pPr marL="0" indent="0" algn="ctr" defTabSz="508000">
-              <a:buFontTx/>
-              <a:buNone/>
-            </a:pPr>
-            <a:r>
-              <a:rPr lang="en-US" altLang="ko-KR" sz="4000" b="1" dirty="0">
-                <a:effectLst>
-                  <a:outerShdw blurRad="38100" dist="19050" dir="2700000" algn="tl" rotWithShape="0">
-                    <a:schemeClr val="dk1">
-                      <a:alpha val="40000"/>
-                    </a:schemeClr>
-                  </a:outerShdw>
-                </a:effectLst>
-              </a:rPr>
-              <a:t>Service Summary</a:t>
-            </a:r>
-            <a:endParaRPr lang="ko-KR" altLang="en-US" sz="4000" b="1" dirty="0"/>
-          </a:p>
-        </p:txBody>
-      </p:sp>
-      <p:sp>
-        <p:nvSpPr>
-          <p:cNvPr id="4" name="TextBox 3">
-            <a:extLst>
-              <a:ext uri="{FF2B5EF4-FFF2-40B4-BE49-F238E27FC236}">
-                <a16:creationId xmlns:a16="http://schemas.microsoft.com/office/drawing/2014/main" id="{18A1AE52-3E8A-4F94-BC90-725A445EE10F}"/>
-              </a:ext>
-            </a:extLst>
-          </p:cNvPr>
-          <p:cNvSpPr txBox="1"/>
-          <p:nvPr/>
-        </p:nvSpPr>
-        <p:spPr>
-          <a:xfrm>
-            <a:off x="757908" y="1406267"/>
-            <a:ext cx="8390183" cy="5016758"/>
-          </a:xfrm>
-          <a:prstGeom prst="rect">
-            <a:avLst/>
-          </a:prstGeom>
-          <a:noFill/>
-        </p:spPr>
-        <p:txBody>
-          <a:bodyPr wrap="square" rtlCol="0">
-            <a:spAutoFit/>
-          </a:bodyPr>
-          <a:lstStyle/>
-          <a:p>
-            <a:r>
-              <a:rPr lang="ko-KR" altLang="en-US" sz="2000" b="1" dirty="0"/>
-              <a:t>주요기능</a:t>
-            </a:r>
-            <a:endParaRPr lang="en-US" altLang="ko-KR" sz="2000" b="1" dirty="0"/>
-          </a:p>
-          <a:p>
-            <a:r>
-              <a:rPr lang="ko-KR" altLang="en-US" sz="2000" dirty="0"/>
-              <a:t>블루투스 통신을 통한 가전제품 통제하는 어플리케이션</a:t>
-            </a:r>
-            <a:endParaRPr lang="en-US" altLang="ko-KR" sz="2000" dirty="0"/>
-          </a:p>
-          <a:p>
-            <a:r>
-              <a:rPr lang="ko-KR" altLang="en-US" sz="2000" dirty="0"/>
-              <a:t>아주 작은 운동이라도 사용자에게 시키는 것</a:t>
-            </a:r>
-            <a:endParaRPr lang="en-US" altLang="ko-KR" sz="2000" dirty="0"/>
-          </a:p>
-          <a:p>
-            <a:endParaRPr lang="en-US" altLang="ko-KR" sz="2000" dirty="0"/>
-          </a:p>
-          <a:p>
-            <a:r>
-              <a:rPr lang="ko-KR" altLang="en-US" sz="2000" b="1" dirty="0"/>
-              <a:t>블루투스 통제</a:t>
-            </a:r>
-            <a:endParaRPr lang="en-US" altLang="ko-KR" sz="2000" b="1" dirty="0"/>
-          </a:p>
-          <a:p>
-            <a:r>
-              <a:rPr lang="ko-KR" altLang="en-US" sz="2000" dirty="0"/>
-              <a:t>최초 시작은 블루투스 통신이 되도록 연결 설정을 한다</a:t>
-            </a:r>
-            <a:r>
-              <a:rPr lang="en-US" altLang="ko-KR" sz="2000" dirty="0"/>
-              <a:t>.</a:t>
-            </a:r>
-          </a:p>
-          <a:p>
-            <a:r>
-              <a:rPr lang="ko-KR" altLang="en-US" sz="2000" dirty="0"/>
-              <a:t>연결 설정된 장비들은 근거리에 가면 자동으로 활성화 된다</a:t>
-            </a:r>
-            <a:r>
-              <a:rPr lang="en-US" altLang="ko-KR" sz="2000" dirty="0"/>
-              <a:t>.</a:t>
-            </a:r>
-          </a:p>
-          <a:p>
-            <a:endParaRPr lang="en-US" altLang="ko-KR" sz="2000" dirty="0"/>
-          </a:p>
-          <a:p>
-            <a:r>
-              <a:rPr lang="ko-KR" altLang="en-US" sz="2000" b="1" dirty="0"/>
-              <a:t>어플리케이션 인터페이스</a:t>
-            </a:r>
-            <a:endParaRPr lang="en-US" altLang="ko-KR" sz="2000" b="1" dirty="0"/>
-          </a:p>
-          <a:p>
-            <a:r>
-              <a:rPr lang="ko-KR" altLang="en-US" sz="2000" dirty="0"/>
-              <a:t>운동을 통해 얻은 에너지를 표시하는 이미지를 출력한다</a:t>
-            </a:r>
-            <a:r>
-              <a:rPr lang="en-US" altLang="ko-KR" sz="2000" dirty="0"/>
-              <a:t>.</a:t>
-            </a:r>
-          </a:p>
-          <a:p>
-            <a:r>
-              <a:rPr lang="ko-KR" altLang="en-US" sz="2000" dirty="0"/>
-              <a:t>기기가 연결되면 거기에 맞는 컨트롤화면을 출력하여</a:t>
-            </a:r>
-            <a:r>
-              <a:rPr lang="en-US" altLang="ko-KR" sz="2000" dirty="0"/>
-              <a:t>, </a:t>
-            </a:r>
-            <a:r>
-              <a:rPr lang="ko-KR" altLang="en-US" sz="2000" dirty="0"/>
-              <a:t>기기를 조종한다</a:t>
-            </a:r>
-            <a:r>
-              <a:rPr lang="en-US" altLang="ko-KR" sz="2000" dirty="0"/>
-              <a:t>.</a:t>
-            </a:r>
-          </a:p>
-          <a:p>
-            <a:r>
-              <a:rPr lang="ko-KR" altLang="en-US" sz="2000" dirty="0"/>
-              <a:t>기기 조종 시 에너지가 소모되며</a:t>
-            </a:r>
-            <a:r>
-              <a:rPr lang="en-US" altLang="ko-KR" sz="2000" dirty="0"/>
-              <a:t>, </a:t>
-            </a:r>
-            <a:r>
-              <a:rPr lang="ko-KR" altLang="en-US" sz="2000" dirty="0"/>
-              <a:t>에너지가 없으면 조종을 못한다</a:t>
-            </a:r>
-            <a:r>
-              <a:rPr lang="en-US" altLang="ko-KR" sz="2000" dirty="0"/>
-              <a:t>.</a:t>
-            </a:r>
-          </a:p>
-          <a:p>
-            <a:endParaRPr lang="en-US" altLang="ko-KR" sz="2000" dirty="0"/>
-          </a:p>
-          <a:p>
-            <a:r>
-              <a:rPr lang="ko-KR" altLang="en-US" sz="2000" b="1" dirty="0"/>
-              <a:t>운동시스템</a:t>
-            </a:r>
-            <a:endParaRPr lang="en-US" altLang="ko-KR" sz="2000" b="1" dirty="0"/>
-          </a:p>
-          <a:p>
-            <a:r>
-              <a:rPr lang="ko-KR" altLang="en-US" sz="2000" dirty="0"/>
-              <a:t>가속도와 </a:t>
-            </a:r>
-            <a:r>
-              <a:rPr lang="ko-KR" altLang="en-US" sz="2000" dirty="0" err="1"/>
-              <a:t>자이로</a:t>
-            </a:r>
-            <a:r>
-              <a:rPr lang="ko-KR" altLang="en-US" sz="2000" dirty="0"/>
-              <a:t> 센서를 통해 속도변화</a:t>
-            </a:r>
-            <a:r>
-              <a:rPr lang="en-US" altLang="ko-KR" sz="2000" dirty="0"/>
-              <a:t>, </a:t>
-            </a:r>
-            <a:r>
-              <a:rPr lang="ko-KR" altLang="en-US" sz="2000" dirty="0"/>
-              <a:t>위치변화 등을 감지하여 세기에 따라 에너지를 책정한다</a:t>
-            </a:r>
-            <a:r>
-              <a:rPr lang="en-US" altLang="ko-KR" sz="2000" dirty="0"/>
-              <a:t>.</a:t>
-            </a:r>
-          </a:p>
-        </p:txBody>
-      </p:sp>
-    </p:spTree>
-    <p:extLst>
-      <p:ext uri="{BB962C8B-B14F-4D97-AF65-F5344CB8AC3E}">
-        <p14:creationId xmlns:p14="http://schemas.microsoft.com/office/powerpoint/2010/main" val="3480497539"/>
-      </p:ext>
-    </p:extLst>
-  </p:cSld>
-  <p:clrMapOvr>
-    <a:masterClrMapping/>
-  </p:clrMapOvr>
-</p:sld>
-</file>
-
-<file path=ppt/slides/slide4.xml><?xml version="1.0" encoding="utf-8"?>
-<p:sld xmlns:a="http://schemas.openxmlformats.org/drawingml/2006/main" xmlns:r="http://schemas.openxmlformats.org/officeDocument/2006/relationships" xmlns:p="http://schemas.openxmlformats.org/presentationml/2006/main">
-  <p:cSld>
-    <p:spTree>
-      <p:nvGrpSpPr>
-        <p:cNvPr id="1" name=""/>
-        <p:cNvGrpSpPr/>
-        <p:nvPr/>
-      </p:nvGrpSpPr>
-      <p:grpSpPr>
-        <a:xfrm>
-          <a:off x="0" y="0"/>
-          <a:ext cx="0" cy="0"/>
-          <a:chOff x="0" y="0"/>
-          <a:chExt cx="0" cy="0"/>
-        </a:xfrm>
-      </p:grpSpPr>
-      <p:sp>
-        <p:nvSpPr>
-          <p:cNvPr id="2" name="직사각형 1">
-            <a:extLst>
-              <a:ext uri="{FF2B5EF4-FFF2-40B4-BE49-F238E27FC236}">
-                <a16:creationId xmlns:a16="http://schemas.microsoft.com/office/drawing/2014/main" id="{05E2ACA8-CF14-446C-A9E2-DCF4AFF8EA50}"/>
-              </a:ext>
-            </a:extLst>
-          </p:cNvPr>
-          <p:cNvSpPr/>
-          <p:nvPr/>
-        </p:nvSpPr>
-        <p:spPr>
-          <a:xfrm>
-            <a:off x="4141127" y="434975"/>
-            <a:ext cx="5152373" cy="707886"/>
-          </a:xfrm>
-          <a:prstGeom prst="rect">
-            <a:avLst/>
-          </a:prstGeom>
-          <a:noFill/>
-        </p:spPr>
-        <p:txBody>
-          <a:bodyPr vert="horz" wrap="none" lIns="91440" tIns="45720" rIns="91440" bIns="45720" numCol="1" anchor="t">
-            <a:spAutoFit/>
-          </a:bodyPr>
-          <a:lstStyle/>
-          <a:p>
-            <a:pPr marL="0" indent="0" algn="ctr" defTabSz="508000">
-              <a:buFontTx/>
-              <a:buNone/>
-            </a:pPr>
-            <a:r>
-              <a:rPr lang="en-US" altLang="ko-KR" sz="4000" b="1" dirty="0">
-                <a:effectLst>
-                  <a:outerShdw blurRad="38100" dist="19050" dir="2700000" algn="tl" rotWithShape="0">
-                    <a:schemeClr val="dk1">
-                      <a:alpha val="40000"/>
-                    </a:schemeClr>
-                  </a:outerShdw>
-                </a:effectLst>
-              </a:rPr>
-              <a:t>System Architecture</a:t>
-            </a:r>
-            <a:endParaRPr lang="ko-KR" altLang="en-US" sz="4000" b="1" dirty="0"/>
-          </a:p>
-        </p:txBody>
-      </p:sp>
-      <p:pic>
-        <p:nvPicPr>
-          <p:cNvPr id="5" name="그림 4">
-            <a:extLst>
-              <a:ext uri="{FF2B5EF4-FFF2-40B4-BE49-F238E27FC236}">
-                <a16:creationId xmlns:a16="http://schemas.microsoft.com/office/drawing/2014/main" id="{3C250D9F-8F6F-4614-9EDC-83F78CCD9667}"/>
-              </a:ext>
-            </a:extLst>
-          </p:cNvPr>
-          <p:cNvPicPr>
-            <a:picLocks noChangeAspect="1"/>
-          </p:cNvPicPr>
-          <p:nvPr/>
-        </p:nvPicPr>
-        <p:blipFill>
-          <a:blip r:embed="rId2">
-            <a:extLst>
-              <a:ext uri="{28A0092B-C50C-407E-A947-70E740481C1C}">
-                <a14:useLocalDpi xmlns:a14="http://schemas.microsoft.com/office/drawing/2010/main" val="0"/>
-              </a:ext>
-            </a:extLst>
-          </a:blip>
-          <a:stretch>
-            <a:fillRect/>
-          </a:stretch>
-        </p:blipFill>
-        <p:spPr>
-          <a:xfrm>
-            <a:off x="353438" y="1551306"/>
-            <a:ext cx="9199123" cy="4950801"/>
-          </a:xfrm>
-          <a:prstGeom prst="rect">
-            <a:avLst/>
-          </a:prstGeom>
-        </p:spPr>
-      </p:pic>
-    </p:spTree>
-    <p:extLst>
-      <p:ext uri="{BB962C8B-B14F-4D97-AF65-F5344CB8AC3E}">
-        <p14:creationId xmlns:p14="http://schemas.microsoft.com/office/powerpoint/2010/main" val="1008041934"/>
-      </p:ext>
-    </p:extLst>
-  </p:cSld>
-  <p:clrMapOvr>
-    <a:masterClrMapping/>
-  </p:clrMapOvr>
-</p:sld>
-</file>
-
-<file path=ppt/slides/slide5.xml><?xml version="1.0" encoding="utf-8"?>
-<p:sld xmlns:a="http://schemas.openxmlformats.org/drawingml/2006/main" xmlns:r="http://schemas.openxmlformats.org/officeDocument/2006/relationships" xmlns:p="http://schemas.openxmlformats.org/presentationml/2006/main">
-  <p:cSld>
-    <p:spTree>
-      <p:nvGrpSpPr>
-        <p:cNvPr id="1" name=""/>
-        <p:cNvGrpSpPr/>
-        <p:nvPr/>
-      </p:nvGrpSpPr>
-      <p:grpSpPr>
-        <a:xfrm>
-          <a:off x="0" y="0"/>
-          <a:ext cx="0" cy="0"/>
-          <a:chOff x="0" y="0"/>
-          <a:chExt cx="0" cy="0"/>
-        </a:xfrm>
-      </p:grpSpPr>
-      <p:sp>
-        <p:nvSpPr>
-          <p:cNvPr id="3" name="직사각형 2">
-            <a:extLst>
-              <a:ext uri="{FF2B5EF4-FFF2-40B4-BE49-F238E27FC236}">
-                <a16:creationId xmlns:a16="http://schemas.microsoft.com/office/drawing/2014/main" id="{395143CD-1FE9-41CC-88AB-8BC072125ED3}"/>
-              </a:ext>
-            </a:extLst>
-          </p:cNvPr>
-          <p:cNvSpPr/>
-          <p:nvPr/>
-        </p:nvSpPr>
-        <p:spPr>
-          <a:xfrm>
-            <a:off x="2552343" y="2413337"/>
-            <a:ext cx="4801315" cy="1015663"/>
-          </a:xfrm>
-          <a:prstGeom prst="rect">
-            <a:avLst/>
-          </a:prstGeom>
-          <a:noFill/>
-        </p:spPr>
-        <p:txBody>
-          <a:bodyPr vert="horz" wrap="none" lIns="91440" tIns="45720" rIns="91440" bIns="45720" numCol="1" anchor="t">
-            <a:spAutoFit/>
-          </a:bodyPr>
-          <a:lstStyle/>
-          <a:p>
-            <a:pPr marL="0" indent="0" algn="ctr" defTabSz="508000">
-              <a:buFontTx/>
-              <a:buNone/>
-            </a:pPr>
-            <a:r>
-              <a:rPr lang="ko-KR" altLang="en-US" sz="6000" b="1" dirty="0"/>
-              <a:t>참고기술조사</a:t>
-            </a:r>
-          </a:p>
-        </p:txBody>
-      </p:sp>
-    </p:spTree>
-    <p:extLst>
-      <p:ext uri="{BB962C8B-B14F-4D97-AF65-F5344CB8AC3E}">
-        <p14:creationId xmlns:p14="http://schemas.microsoft.com/office/powerpoint/2010/main" val="1140352225"/>
-      </p:ext>
-    </p:extLst>
-  </p:cSld>
-  <p:clrMapOvr>
-    <a:masterClrMapping/>
-  </p:clrMapOvr>
-</p:sld>
-</file>
-
-<file path=ppt/slides/slide6.xml><?xml version="1.0" encoding="utf-8"?>
-<p:sld xmlns:a="http://schemas.openxmlformats.org/drawingml/2006/main" xmlns:r="http://schemas.openxmlformats.org/officeDocument/2006/relationships" xmlns:p="http://schemas.openxmlformats.org/presentationml/2006/main">
-  <p:cSld>
-    <p:spTree>
-      <p:nvGrpSpPr>
-        <p:cNvPr id="1" name=""/>
-        <p:cNvGrpSpPr/>
-        <p:nvPr/>
-      </p:nvGrpSpPr>
-      <p:grpSpPr>
-        <a:xfrm>
-          <a:off x="0" y="0"/>
-          <a:ext cx="0" cy="0"/>
-          <a:chOff x="0" y="0"/>
-          <a:chExt cx="0" cy="0"/>
-        </a:xfrm>
-      </p:grpSpPr>
-      <p:sp>
-        <p:nvSpPr>
-          <p:cNvPr id="2" name="직사각형 1">
-            <a:extLst>
-              <a:ext uri="{FF2B5EF4-FFF2-40B4-BE49-F238E27FC236}">
-                <a16:creationId xmlns:a16="http://schemas.microsoft.com/office/drawing/2014/main" id="{112D2D94-88CC-4041-BCB4-ACC28B40CBFB}"/>
-              </a:ext>
-            </a:extLst>
-          </p:cNvPr>
-          <p:cNvSpPr/>
-          <p:nvPr/>
-        </p:nvSpPr>
-        <p:spPr>
-          <a:xfrm>
-            <a:off x="5749290" y="434975"/>
-            <a:ext cx="2804160" cy="831215"/>
-          </a:xfrm>
-          <a:prstGeom prst="rect">
-            <a:avLst/>
-          </a:prstGeom>
-          <a:noFill/>
-        </p:spPr>
-        <p:txBody>
-          <a:bodyPr wrap="none" lIns="91440" tIns="45720" rIns="91440" bIns="45720">
-            <a:spAutoFit/>
-          </a:bodyPr>
-          <a:lstStyle/>
-          <a:p>
-            <a:pPr algn="ctr"/>
-            <a:r>
-              <a:rPr lang="en-US" altLang="ko-KR" sz="4800" b="1" cap="none" spc="0" dirty="0">
-                <a:ln w="0"/>
-                <a:solidFill>
-                  <a:schemeClr val="tx1"/>
-                </a:solidFill>
-                <a:effectLst>
-                  <a:outerShdw blurRad="38100" dist="19050" dir="2700000" algn="tl" rotWithShape="0">
-                    <a:schemeClr val="dk1">
-                      <a:alpha val="40000"/>
-                    </a:schemeClr>
-                  </a:outerShdw>
-                </a:effectLst>
-              </a:rPr>
-              <a:t>IoT vs RC</a:t>
-            </a:r>
-          </a:p>
-        </p:txBody>
-      </p:sp>
-      <p:sp>
-        <p:nvSpPr>
-          <p:cNvPr id="3" name="TextBox 2"/>
-          <p:cNvSpPr txBox="1">
-            <a:spLocks/>
-          </p:cNvSpPr>
-          <p:nvPr/>
-        </p:nvSpPr>
-        <p:spPr>
-          <a:xfrm>
-            <a:off x="984250" y="2110740"/>
-            <a:ext cx="7954010" cy="2858135"/>
-          </a:xfrm>
-          <a:prstGeom prst="rect">
-            <a:avLst/>
-          </a:prstGeom>
-          <a:noFill/>
-        </p:spPr>
-        <p:txBody>
-          <a:bodyPr vert="horz" wrap="square" lIns="91440" tIns="45720" rIns="91440" bIns="45720" numCol="1" anchor="t">
-            <a:spAutoFit/>
-          </a:bodyPr>
-          <a:lstStyle/>
-          <a:p>
-            <a:pPr marL="0" indent="0" defTabSz="508000">
-              <a:buFontTx/>
-              <a:buNone/>
-            </a:pPr>
-            <a:r>
-              <a:rPr lang="en-US" altLang="ko-KR" sz="2000" b="1" dirty="0"/>
-              <a:t>IoT(Internet of Things)</a:t>
-            </a:r>
-            <a:endParaRPr lang="ko-KR" altLang="en-US" sz="2000" b="1" dirty="0"/>
-          </a:p>
-          <a:p>
-            <a:pPr marL="0" indent="0" defTabSz="508000">
-              <a:buFontTx/>
-              <a:buNone/>
-            </a:pPr>
-            <a:r>
-              <a:rPr lang="ko-KR" altLang="en-US" sz="2000" dirty="0"/>
-              <a:t>각종 사물에 센서와 통신 기능을 내장하여 인터넷에 연결하는 기술</a:t>
-            </a:r>
-            <a:r>
-              <a:rPr lang="en-US" altLang="ko-KR" sz="2000" dirty="0"/>
-              <a:t>.</a:t>
-            </a:r>
-            <a:endParaRPr lang="ko-KR" altLang="en-US" sz="2000" dirty="0"/>
-          </a:p>
-          <a:p>
-            <a:pPr marL="0" indent="0" defTabSz="508000">
-              <a:buFontTx/>
-              <a:buNone/>
-            </a:pPr>
-            <a:r>
-              <a:rPr lang="ko-KR" altLang="en-US" sz="2000" dirty="0"/>
-              <a:t>즉</a:t>
-            </a:r>
-            <a:r>
-              <a:rPr lang="en-US" altLang="ko-KR" sz="2000" dirty="0"/>
-              <a:t>, </a:t>
-            </a:r>
-            <a:r>
-              <a:rPr lang="ko-KR" altLang="en-US" sz="2000" dirty="0"/>
-              <a:t>무선 통신을 통해 각종 사물을 연결하는 기술을 의미한다</a:t>
-            </a:r>
-            <a:r>
-              <a:rPr lang="en-US" altLang="ko-KR" sz="2000" dirty="0"/>
-              <a:t>.</a:t>
-            </a:r>
-            <a:endParaRPr lang="ko-KR" altLang="en-US" sz="2000" dirty="0"/>
-          </a:p>
-          <a:p>
-            <a:pPr marL="0" indent="0" defTabSz="508000">
-              <a:buFontTx/>
-              <a:buNone/>
-            </a:pPr>
-            <a:endParaRPr lang="ko-KR" altLang="en-US" sz="2000" dirty="0"/>
-          </a:p>
-          <a:p>
-            <a:pPr marL="0" indent="0" defTabSz="508000">
-              <a:buFontTx/>
-              <a:buNone/>
-            </a:pPr>
-            <a:r>
-              <a:rPr lang="en-US" altLang="ko-KR" sz="2000" b="1" dirty="0"/>
-              <a:t>RC(Remote Control)</a:t>
-            </a:r>
-            <a:endParaRPr lang="ko-KR" altLang="en-US" sz="2000" b="1" dirty="0"/>
-          </a:p>
-          <a:p>
-            <a:pPr marL="0" indent="0" defTabSz="508000">
-              <a:buFontTx/>
-              <a:buNone/>
-            </a:pPr>
-            <a:r>
-              <a:rPr lang="ko-KR" altLang="en-US" sz="2000" dirty="0"/>
-              <a:t>멀리 떨어져 있는 기기나 기계의 원격 제어에 쓰이는 전자 장치</a:t>
-            </a:r>
-            <a:r>
-              <a:rPr lang="en-US" altLang="ko-KR" sz="2000" dirty="0"/>
-              <a:t>.</a:t>
-            </a:r>
-            <a:endParaRPr lang="ko-KR" altLang="en-US" sz="2000" dirty="0"/>
-          </a:p>
-          <a:p>
-            <a:pPr marL="0" indent="0" defTabSz="508000">
-              <a:buFontTx/>
-              <a:buNone/>
-            </a:pPr>
-            <a:endParaRPr lang="ko-KR" altLang="en-US" sz="2000" dirty="0"/>
-          </a:p>
-          <a:p>
-            <a:pPr marL="0" indent="0" defTabSz="508000">
-              <a:buFontTx/>
-              <a:buNone/>
-            </a:pPr>
-            <a:r>
-              <a:rPr lang="en-US" altLang="ko-KR" sz="2000" b="1" dirty="0"/>
-              <a:t>RC(Radio</a:t>
-            </a:r>
-            <a:r>
-              <a:rPr lang="ko-KR" altLang="en-US" sz="2000" b="1" dirty="0"/>
-              <a:t> </a:t>
-            </a:r>
-            <a:r>
-              <a:rPr lang="en-US" altLang="ko-KR" sz="2000" b="1" dirty="0"/>
-              <a:t>Control)</a:t>
-            </a:r>
-            <a:endParaRPr lang="ko-KR" altLang="en-US" sz="2000" b="1" dirty="0"/>
-          </a:p>
-          <a:p>
-            <a:pPr marL="0" indent="0" defTabSz="508000">
-              <a:buFontTx/>
-              <a:buNone/>
-            </a:pPr>
-            <a:r>
-              <a:rPr lang="ko-KR" altLang="en-US" sz="2000" dirty="0"/>
-              <a:t>무선에 의해 원격 조작하는 것</a:t>
-            </a:r>
-            <a:r>
-              <a:rPr lang="en-US" altLang="ko-KR" sz="2000" dirty="0"/>
-              <a:t>.</a:t>
-            </a:r>
-            <a:endParaRPr lang="ko-KR" altLang="en-US" sz="2000" dirty="0"/>
-          </a:p>
-        </p:txBody>
-      </p:sp>
-    </p:spTree>
-    <p:extLst>
-      <p:ext uri="{BB962C8B-B14F-4D97-AF65-F5344CB8AC3E}">
-        <p14:creationId xmlns:p14="http://schemas.microsoft.com/office/powerpoint/2010/main" val="812840777"/>
-      </p:ext>
-    </p:extLst>
-  </p:cSld>
-  <p:clrMapOvr>
-    <a:masterClrMapping/>
-  </p:clrMapOvr>
-</p:sld>
-</file>
-
-<file path=ppt/slides/slide7.xml><?xml version="1.0" encoding="utf-8"?>
-<p:sld xmlns:a="http://schemas.openxmlformats.org/drawingml/2006/main" xmlns:r="http://schemas.openxmlformats.org/officeDocument/2006/relationships" xmlns:p="http://schemas.openxmlformats.org/presentationml/2006/main">
-  <p:cSld>
-    <p:spTree>
-      <p:nvGrpSpPr>
-        <p:cNvPr id="1" name=""/>
-        <p:cNvGrpSpPr/>
-        <p:nvPr/>
-      </p:nvGrpSpPr>
-      <p:grpSpPr>
-        <a:xfrm>
-          <a:off x="0" y="0"/>
-          <a:ext cx="0" cy="0"/>
-          <a:chOff x="0" y="0"/>
-          <a:chExt cx="0" cy="0"/>
-        </a:xfrm>
-      </p:grpSpPr>
-      <p:sp>
-        <p:nvSpPr>
-          <p:cNvPr id="3" name="직사각형 2">
-            <a:extLst>
-              <a:ext uri="{FF2B5EF4-FFF2-40B4-BE49-F238E27FC236}">
-                <a16:creationId xmlns:a16="http://schemas.microsoft.com/office/drawing/2014/main" id="{395143CD-1FE9-41CC-88AB-8BC072125ED3}"/>
-              </a:ext>
-            </a:extLst>
-          </p:cNvPr>
-          <p:cNvSpPr/>
-          <p:nvPr/>
-        </p:nvSpPr>
-        <p:spPr>
-          <a:xfrm>
-            <a:off x="4167508" y="434975"/>
-            <a:ext cx="4945585" cy="707886"/>
-          </a:xfrm>
-          <a:prstGeom prst="rect">
-            <a:avLst/>
-          </a:prstGeom>
-          <a:noFill/>
-        </p:spPr>
-        <p:txBody>
-          <a:bodyPr vert="horz" wrap="none" lIns="91440" tIns="45720" rIns="91440" bIns="45720" numCol="1" anchor="t">
-            <a:spAutoFit/>
-          </a:bodyPr>
-          <a:lstStyle/>
-          <a:p>
-            <a:pPr marL="0" indent="0" algn="ctr" defTabSz="508000">
-              <a:buFontTx/>
-              <a:buNone/>
-            </a:pPr>
-            <a:r>
-              <a:rPr lang="ko-KR" altLang="en-US" sz="4000" b="1" dirty="0">
-                <a:effectLst>
-                  <a:outerShdw blurRad="38100" dist="19050" dir="2700000" algn="tl" rotWithShape="0">
-                    <a:schemeClr val="dk1">
-                      <a:alpha val="40000"/>
-                    </a:schemeClr>
-                  </a:outerShdw>
-                </a:effectLst>
-              </a:rPr>
-              <a:t>스마트폰과 무선조종</a:t>
-            </a:r>
-            <a:endParaRPr lang="ko-KR" altLang="en-US" sz="4000" b="1" dirty="0"/>
-          </a:p>
-        </p:txBody>
-      </p:sp>
-      <p:sp>
-        <p:nvSpPr>
-          <p:cNvPr id="4" name="TextBox 3">
-            <a:extLst>
-              <a:ext uri="{FF2B5EF4-FFF2-40B4-BE49-F238E27FC236}">
-                <a16:creationId xmlns:a16="http://schemas.microsoft.com/office/drawing/2014/main" id="{7993B415-610A-4DEB-881C-EAC3BCC17A78}"/>
-              </a:ext>
-            </a:extLst>
-          </p:cNvPr>
-          <p:cNvSpPr txBox="1">
-            <a:spLocks/>
-          </p:cNvSpPr>
-          <p:nvPr/>
-        </p:nvSpPr>
-        <p:spPr>
-          <a:xfrm>
-            <a:off x="888578" y="2437999"/>
-            <a:ext cx="8128843" cy="2246769"/>
-          </a:xfrm>
-          <a:prstGeom prst="rect">
-            <a:avLst/>
-          </a:prstGeom>
-          <a:noFill/>
-        </p:spPr>
-        <p:txBody>
-          <a:bodyPr vert="horz" wrap="square" lIns="91440" tIns="45720" rIns="91440" bIns="45720" numCol="1" anchor="t">
-            <a:spAutoFit/>
-          </a:bodyPr>
-          <a:lstStyle/>
-          <a:p>
-            <a:pPr marL="0" indent="0" defTabSz="508000">
-              <a:buFontTx/>
-              <a:buNone/>
-            </a:pPr>
-            <a:r>
-              <a:rPr lang="en-US" altLang="ko-KR" sz="2000" b="1" dirty="0"/>
-              <a:t>BLE(Bluetooth</a:t>
-            </a:r>
-            <a:r>
-              <a:rPr lang="ko-KR" altLang="en-US" sz="2000" b="1" dirty="0"/>
-              <a:t> </a:t>
-            </a:r>
-            <a:r>
-              <a:rPr lang="en-US" altLang="ko-KR" sz="2000" b="1" dirty="0"/>
-              <a:t>Low</a:t>
-            </a:r>
-            <a:r>
-              <a:rPr lang="ko-KR" altLang="en-US" sz="2000" b="1" dirty="0"/>
-              <a:t> </a:t>
-            </a:r>
-            <a:r>
-              <a:rPr lang="en-US" altLang="ko-KR" sz="2000" b="1" dirty="0"/>
-              <a:t>Energy)</a:t>
-            </a:r>
-          </a:p>
-          <a:p>
-            <a:pPr marL="0" indent="0" defTabSz="508000">
-              <a:buFontTx/>
-              <a:buNone/>
-            </a:pPr>
-            <a:r>
-              <a:rPr lang="en-US" altLang="ko-KR" sz="2000" dirty="0"/>
-              <a:t>2010</a:t>
-            </a:r>
-            <a:r>
-              <a:rPr lang="ko-KR" altLang="en-US" sz="2000" dirty="0"/>
-              <a:t>년 </a:t>
-            </a:r>
-            <a:r>
-              <a:rPr lang="en-US" altLang="ko-KR" sz="2000" dirty="0"/>
-              <a:t>6</a:t>
-            </a:r>
-            <a:r>
-              <a:rPr lang="ko-KR" altLang="en-US" sz="2000" dirty="0"/>
-              <a:t>월 </a:t>
-            </a:r>
-            <a:r>
-              <a:rPr lang="en-US" altLang="ko-KR" sz="2000" dirty="0"/>
-              <a:t>30</a:t>
-            </a:r>
-            <a:r>
-              <a:rPr lang="ko-KR" altLang="en-US" sz="2000" dirty="0"/>
-              <a:t>일에 채택된 이후로 배포되는 저전력 블루투스 프로토콜</a:t>
-            </a:r>
-            <a:r>
-              <a:rPr lang="en-US" altLang="ko-KR" sz="2000" dirty="0"/>
-              <a:t>.</a:t>
-            </a:r>
-          </a:p>
-          <a:p>
-            <a:pPr marL="0" indent="0" defTabSz="508000">
-              <a:buFontTx/>
-              <a:buNone/>
-            </a:pPr>
-            <a:endParaRPr lang="en-US" altLang="ko-KR" sz="2000" dirty="0"/>
-          </a:p>
-          <a:p>
-            <a:pPr marL="0" indent="0" defTabSz="508000">
-              <a:buFontTx/>
-              <a:buNone/>
-            </a:pPr>
-            <a:r>
-              <a:rPr lang="ko-KR" altLang="en-US" sz="2000" b="1" dirty="0" err="1"/>
-              <a:t>주요스펙</a:t>
-            </a:r>
-            <a:endParaRPr lang="en-US" altLang="ko-KR" sz="2000" b="1" dirty="0"/>
-          </a:p>
-          <a:p>
-            <a:pPr marL="0" indent="0" defTabSz="508000">
-              <a:buFontTx/>
-              <a:buNone/>
-            </a:pPr>
-            <a:r>
-              <a:rPr lang="en-US" altLang="ko-KR" sz="2000" dirty="0"/>
-              <a:t>Classic Bluetooth </a:t>
-            </a:r>
-            <a:r>
-              <a:rPr lang="ko-KR" altLang="en-US" sz="2000" dirty="0"/>
-              <a:t>지원</a:t>
-            </a:r>
-            <a:r>
-              <a:rPr lang="en-US" altLang="ko-KR" sz="2000" dirty="0"/>
-              <a:t>.</a:t>
-            </a:r>
-          </a:p>
-          <a:p>
-            <a:pPr marL="0" indent="0" defTabSz="508000">
-              <a:buFontTx/>
-              <a:buNone/>
-            </a:pPr>
-            <a:r>
-              <a:rPr lang="en-US" altLang="ko-KR" sz="2000" dirty="0"/>
-              <a:t>Bluetooth high speed </a:t>
-            </a:r>
-            <a:r>
-              <a:rPr lang="ko-KR" altLang="en-US" sz="2000" dirty="0"/>
-              <a:t>지원</a:t>
-            </a:r>
-            <a:r>
-              <a:rPr lang="en-US" altLang="ko-KR" sz="2000" dirty="0"/>
-              <a:t>.</a:t>
-            </a:r>
-          </a:p>
-          <a:p>
-            <a:pPr marL="0" indent="0" defTabSz="508000">
-              <a:buFontTx/>
-              <a:buNone/>
-            </a:pPr>
-            <a:r>
-              <a:rPr lang="en-US" altLang="ko-KR" sz="2000" dirty="0"/>
-              <a:t>Bluetooth low energy </a:t>
-            </a:r>
-            <a:r>
-              <a:rPr lang="ko-KR" altLang="en-US" sz="2000" dirty="0"/>
-              <a:t>프로토콜 포함</a:t>
-            </a:r>
-            <a:r>
-              <a:rPr lang="en-US" altLang="ko-KR" sz="2000" dirty="0"/>
-              <a:t>.</a:t>
-            </a:r>
-          </a:p>
-        </p:txBody>
-      </p:sp>
-      <p:sp>
-        <p:nvSpPr>
-          <p:cNvPr id="2" name="TextBox 1">
-            <a:extLst>
-              <a:ext uri="{FF2B5EF4-FFF2-40B4-BE49-F238E27FC236}">
-                <a16:creationId xmlns:a16="http://schemas.microsoft.com/office/drawing/2014/main" id="{6A88AA75-CBC2-4C95-942A-174BEF0C0C8D}"/>
-              </a:ext>
-            </a:extLst>
-          </p:cNvPr>
-          <p:cNvSpPr txBox="1"/>
-          <p:nvPr/>
-        </p:nvSpPr>
-        <p:spPr>
-          <a:xfrm>
-            <a:off x="5938024" y="1142861"/>
-            <a:ext cx="1404552" cy="707886"/>
-          </a:xfrm>
-          <a:prstGeom prst="rect">
-            <a:avLst/>
-          </a:prstGeom>
-          <a:noFill/>
-        </p:spPr>
-        <p:txBody>
-          <a:bodyPr wrap="none" rtlCol="0">
-            <a:spAutoFit/>
-          </a:bodyPr>
-          <a:lstStyle/>
-          <a:p>
-            <a:r>
-              <a:rPr lang="en-US" altLang="ko-KR" sz="4000" b="1" dirty="0"/>
-              <a:t>-BLE-</a:t>
-            </a:r>
-            <a:endParaRPr lang="ko-KR" altLang="en-US" sz="4000" b="1" dirty="0"/>
-          </a:p>
-        </p:txBody>
-      </p:sp>
-    </p:spTree>
-    <p:extLst>
-      <p:ext uri="{BB962C8B-B14F-4D97-AF65-F5344CB8AC3E}">
-        <p14:creationId xmlns:p14="http://schemas.microsoft.com/office/powerpoint/2010/main" val="3673009662"/>
-      </p:ext>
-    </p:extLst>
-  </p:cSld>
-  <p:clrMapOvr>
-    <a:masterClrMapping/>
-  </p:clrMapOvr>
-</p:sld>
-</file>
-
-<file path=ppt/slides/slide8.xml><?xml version="1.0" encoding="utf-8"?>
-<p:sld xmlns:a="http://schemas.openxmlformats.org/drawingml/2006/main" xmlns:r="http://schemas.openxmlformats.org/officeDocument/2006/relationships" xmlns:p="http://schemas.openxmlformats.org/presentationml/2006/main">
-  <p:cSld>
-    <p:spTree>
-      <p:nvGrpSpPr>
-        <p:cNvPr id="1" name=""/>
-        <p:cNvGrpSpPr/>
-        <p:nvPr/>
-      </p:nvGrpSpPr>
-      <p:grpSpPr>
-        <a:xfrm>
-          <a:off x="0" y="0"/>
-          <a:ext cx="0" cy="0"/>
-          <a:chOff x="0" y="0"/>
-          <a:chExt cx="0" cy="0"/>
-        </a:xfrm>
-      </p:grpSpPr>
-      <p:sp>
-        <p:nvSpPr>
-          <p:cNvPr id="3" name="직사각형 2">
-            <a:extLst>
-              <a:ext uri="{FF2B5EF4-FFF2-40B4-BE49-F238E27FC236}">
-                <a16:creationId xmlns:a16="http://schemas.microsoft.com/office/drawing/2014/main" id="{395143CD-1FE9-41CC-88AB-8BC072125ED3}"/>
-              </a:ext>
-            </a:extLst>
-          </p:cNvPr>
-          <p:cNvSpPr/>
-          <p:nvPr/>
-        </p:nvSpPr>
-        <p:spPr>
-          <a:xfrm>
-            <a:off x="4167508" y="434975"/>
-            <a:ext cx="4945585" cy="707886"/>
-          </a:xfrm>
-          <a:prstGeom prst="rect">
-            <a:avLst/>
-          </a:prstGeom>
-          <a:noFill/>
-        </p:spPr>
-        <p:txBody>
-          <a:bodyPr vert="horz" wrap="none" lIns="91440" tIns="45720" rIns="91440" bIns="45720" numCol="1" anchor="t">
-            <a:spAutoFit/>
-          </a:bodyPr>
-          <a:lstStyle/>
-          <a:p>
-            <a:pPr marL="0" indent="0" algn="ctr" defTabSz="508000">
-              <a:buFontTx/>
-              <a:buNone/>
-            </a:pPr>
-            <a:r>
-              <a:rPr lang="ko-KR" altLang="en-US" sz="4000" b="1" dirty="0">
-                <a:effectLst>
-                  <a:outerShdw blurRad="38100" dist="19050" dir="2700000" algn="tl" rotWithShape="0">
-                    <a:schemeClr val="dk1">
-                      <a:alpha val="40000"/>
-                    </a:schemeClr>
-                  </a:outerShdw>
-                </a:effectLst>
-              </a:rPr>
-              <a:t>스마트폰과 무선조종</a:t>
-            </a:r>
-            <a:endParaRPr lang="ko-KR" altLang="en-US" sz="4000" b="1" dirty="0"/>
-          </a:p>
-        </p:txBody>
-      </p:sp>
-      <p:sp>
-        <p:nvSpPr>
-          <p:cNvPr id="4" name="TextBox 3">
-            <a:extLst>
-              <a:ext uri="{FF2B5EF4-FFF2-40B4-BE49-F238E27FC236}">
-                <a16:creationId xmlns:a16="http://schemas.microsoft.com/office/drawing/2014/main" id="{7993B415-610A-4DEB-881C-EAC3BCC17A78}"/>
-              </a:ext>
-            </a:extLst>
-          </p:cNvPr>
-          <p:cNvSpPr txBox="1">
-            <a:spLocks/>
-          </p:cNvSpPr>
-          <p:nvPr/>
-        </p:nvSpPr>
-        <p:spPr>
-          <a:xfrm>
-            <a:off x="888578" y="2445201"/>
-            <a:ext cx="8128843" cy="2554545"/>
-          </a:xfrm>
-          <a:prstGeom prst="rect">
-            <a:avLst/>
-          </a:prstGeom>
-          <a:noFill/>
-        </p:spPr>
-        <p:txBody>
-          <a:bodyPr vert="horz" wrap="square" lIns="91440" tIns="45720" rIns="91440" bIns="45720" numCol="1" anchor="t">
-            <a:spAutoFit/>
-          </a:bodyPr>
-          <a:lstStyle/>
-          <a:p>
-            <a:pPr marL="0" indent="0" defTabSz="508000">
-              <a:buFontTx/>
-              <a:buNone/>
-            </a:pPr>
-            <a:r>
-              <a:rPr lang="en-US" altLang="ko-KR" sz="2000" b="1" dirty="0"/>
-              <a:t>MST(Magnetic Secure Transmission)</a:t>
-            </a:r>
-          </a:p>
-          <a:p>
-            <a:pPr marL="0" indent="0" defTabSz="508000">
-              <a:buFontTx/>
-              <a:buNone/>
-            </a:pPr>
-            <a:r>
-              <a:rPr lang="ko-KR" altLang="en-US" sz="2000" dirty="0"/>
-              <a:t>전통적인 지불카드에서 결재하는 방식인 </a:t>
-            </a:r>
-            <a:r>
-              <a:rPr lang="ko-KR" altLang="en-US" sz="2000" dirty="0" err="1"/>
-              <a:t>자기띠</a:t>
-            </a:r>
-            <a:r>
-              <a:rPr lang="ko-KR" altLang="en-US" sz="2000" dirty="0"/>
-              <a:t> 형성을 통한 </a:t>
-            </a:r>
-            <a:r>
-              <a:rPr lang="en-US" altLang="ko-KR" sz="2000" dirty="0"/>
-              <a:t>RFID </a:t>
-            </a:r>
-            <a:r>
-              <a:rPr lang="ko-KR" altLang="en-US" sz="2000" dirty="0"/>
-              <a:t>신호를 모방하여 스마트폰과 같은 장치에서도 신호를 송출하는 기술</a:t>
-            </a:r>
-            <a:r>
-              <a:rPr lang="en-US" altLang="ko-KR" sz="2000" dirty="0"/>
-              <a:t>.</a:t>
-            </a:r>
-          </a:p>
-          <a:p>
-            <a:pPr marL="0" indent="0" defTabSz="508000">
-              <a:buFontTx/>
-              <a:buNone/>
-            </a:pPr>
-            <a:endParaRPr lang="en-US" altLang="ko-KR" sz="2000" dirty="0"/>
-          </a:p>
-          <a:p>
-            <a:pPr marL="0" indent="0" defTabSz="508000">
-              <a:buFontTx/>
-              <a:buNone/>
-            </a:pPr>
-            <a:r>
-              <a:rPr lang="ko-KR" altLang="en-US" sz="2000" b="1" dirty="0" err="1"/>
-              <a:t>주요스펙</a:t>
-            </a:r>
-            <a:endParaRPr lang="en-US" altLang="ko-KR" sz="2000" b="1" dirty="0"/>
-          </a:p>
-          <a:p>
-            <a:pPr marL="0" indent="0" defTabSz="508000">
-              <a:buFontTx/>
-              <a:buNone/>
-            </a:pPr>
-            <a:r>
-              <a:rPr lang="ko-KR" altLang="en-US" sz="2000" dirty="0"/>
-              <a:t>마그네틱 카드 리더기에서 </a:t>
-            </a:r>
-            <a:r>
-              <a:rPr lang="en-US" altLang="ko-KR" sz="2000" dirty="0"/>
-              <a:t>3</a:t>
-            </a:r>
-            <a:r>
-              <a:rPr lang="ko-KR" altLang="en-US" sz="2000" dirty="0"/>
-              <a:t>인치 내의 거리에서 전송가능</a:t>
-            </a:r>
-            <a:r>
-              <a:rPr lang="en-US" altLang="ko-KR" sz="2000" dirty="0"/>
-              <a:t>.</a:t>
-            </a:r>
-          </a:p>
-          <a:p>
-            <a:pPr marL="0" indent="0" defTabSz="508000">
-              <a:buFontTx/>
-              <a:buNone/>
-            </a:pPr>
-            <a:r>
-              <a:rPr lang="ko-KR" altLang="en-US" sz="2000" dirty="0"/>
-              <a:t>물리적인 전송 외에</a:t>
-            </a:r>
-            <a:r>
-              <a:rPr lang="en-US" altLang="ko-KR" sz="2000" dirty="0"/>
-              <a:t>, </a:t>
-            </a:r>
-            <a:r>
-              <a:rPr lang="ko-KR" altLang="en-US" sz="2000" dirty="0"/>
-              <a:t>자기 띠 카드 시스템에 대한 변경이 없다</a:t>
-            </a:r>
-            <a:r>
-              <a:rPr lang="en-US" altLang="ko-KR" sz="2000" dirty="0"/>
-              <a:t>.</a:t>
-            </a:r>
-          </a:p>
-          <a:p>
-            <a:pPr marL="0" indent="0" defTabSz="508000">
-              <a:buFontTx/>
-              <a:buNone/>
-            </a:pPr>
-            <a:r>
-              <a:rPr lang="ko-KR" altLang="en-US" sz="2000" dirty="0"/>
-              <a:t>동적으로 전송되는 정보에 대해서 토큰화가 허용된다</a:t>
-            </a:r>
-            <a:r>
-              <a:rPr lang="en-US" altLang="ko-KR" sz="2000" dirty="0"/>
-              <a:t>.</a:t>
-            </a:r>
-          </a:p>
-        </p:txBody>
-      </p:sp>
-      <p:sp>
-        <p:nvSpPr>
-          <p:cNvPr id="2" name="TextBox 1">
-            <a:extLst>
-              <a:ext uri="{FF2B5EF4-FFF2-40B4-BE49-F238E27FC236}">
-                <a16:creationId xmlns:a16="http://schemas.microsoft.com/office/drawing/2014/main" id="{6A88AA75-CBC2-4C95-942A-174BEF0C0C8D}"/>
-              </a:ext>
-            </a:extLst>
-          </p:cNvPr>
-          <p:cNvSpPr txBox="1"/>
-          <p:nvPr/>
-        </p:nvSpPr>
-        <p:spPr>
-          <a:xfrm>
-            <a:off x="5861882" y="1142861"/>
-            <a:ext cx="1556836" cy="707886"/>
-          </a:xfrm>
-          <a:prstGeom prst="rect">
-            <a:avLst/>
-          </a:prstGeom>
-          <a:noFill/>
-        </p:spPr>
-        <p:txBody>
-          <a:bodyPr wrap="none" rtlCol="0">
-            <a:spAutoFit/>
-          </a:bodyPr>
-          <a:lstStyle/>
-          <a:p>
-            <a:r>
-              <a:rPr lang="en-US" altLang="ko-KR" sz="4000" b="1" dirty="0"/>
-              <a:t>-MST-</a:t>
-            </a:r>
-            <a:endParaRPr lang="ko-KR" altLang="en-US" sz="4000" b="1" dirty="0"/>
-          </a:p>
-        </p:txBody>
-      </p:sp>
-    </p:spTree>
-    <p:extLst>
-      <p:ext uri="{BB962C8B-B14F-4D97-AF65-F5344CB8AC3E}">
-        <p14:creationId xmlns:p14="http://schemas.microsoft.com/office/powerpoint/2010/main" val="1150174567"/>
-      </p:ext>
-    </p:extLst>
-  </p:cSld>
-  <p:clrMapOvr>
-    <a:masterClrMapping/>
-  </p:clrMapOvr>
-</p:sld>
-</file>
-
-<file path=ppt/slides/slide9.xml><?xml version="1.0" encoding="utf-8"?>
 <p:sld xmlns:a="http://schemas.openxmlformats.org/drawingml/2006/main" xmlns:r="http://schemas.openxmlformats.org/officeDocument/2006/relationships" xmlns:p="http://schemas.openxmlformats.org/presentationml/2006/main">
   <p:cSld>
     <p:spTree>
@@ -9925,6 +8493,2162 @@
     <p:extLst>
       <p:ext uri="{BB962C8B-B14F-4D97-AF65-F5344CB8AC3E}">
         <p14:creationId xmlns:p14="http://schemas.microsoft.com/office/powerpoint/2010/main" val="3340256011"/>
+      </p:ext>
+    </p:extLst>
+  </p:cSld>
+  <p:clrMapOvr>
+    <a:masterClrMapping/>
+  </p:clrMapOvr>
+</p:sld>
+</file>
+
+<file path=ppt/slides/slide11.xml><?xml version="1.0" encoding="utf-8"?>
+<p:sld xmlns:a="http://schemas.openxmlformats.org/drawingml/2006/main" xmlns:r="http://schemas.openxmlformats.org/officeDocument/2006/relationships" xmlns:p="http://schemas.openxmlformats.org/presentationml/2006/main">
+  <p:cSld>
+    <p:spTree>
+      <p:nvGrpSpPr>
+        <p:cNvPr id="1" name=""/>
+        <p:cNvGrpSpPr/>
+        <p:nvPr/>
+      </p:nvGrpSpPr>
+      <p:grpSpPr>
+        <a:xfrm>
+          <a:off x="0" y="0"/>
+          <a:ext cx="0" cy="0"/>
+          <a:chOff x="0" y="0"/>
+          <a:chExt cx="0" cy="0"/>
+        </a:xfrm>
+      </p:grpSpPr>
+      <p:sp>
+        <p:nvSpPr>
+          <p:cNvPr id="3" name="TextBox 2"/>
+          <p:cNvSpPr txBox="1">
+            <a:spLocks/>
+          </p:cNvSpPr>
+          <p:nvPr/>
+        </p:nvSpPr>
+        <p:spPr>
+          <a:xfrm>
+            <a:off x="975995" y="2324750"/>
+            <a:ext cx="7954010" cy="2862322"/>
+          </a:xfrm>
+          <a:prstGeom prst="rect">
+            <a:avLst/>
+          </a:prstGeom>
+          <a:noFill/>
+        </p:spPr>
+        <p:txBody>
+          <a:bodyPr vert="horz" wrap="square" lIns="91440" tIns="45720" rIns="91440" bIns="45720" numCol="1" anchor="t">
+            <a:spAutoFit/>
+          </a:bodyPr>
+          <a:lstStyle/>
+          <a:p>
+            <a:pPr marL="0" indent="0" defTabSz="508000">
+              <a:buFontTx/>
+              <a:buNone/>
+            </a:pPr>
+            <a:r>
+              <a:rPr lang="en-US" altLang="ko-KR" sz="2000" b="1" dirty="0"/>
+              <a:t>MEMS(Micro-Electro-Mechanical Systems)</a:t>
+            </a:r>
+          </a:p>
+          <a:p>
+            <a:pPr marL="0" indent="0" defTabSz="508000">
+              <a:buFontTx/>
+              <a:buNone/>
+            </a:pPr>
+            <a:r>
+              <a:rPr lang="ko-KR" altLang="en-US" sz="2000" dirty="0"/>
+              <a:t>나노기술을 이용해 제작되는 매우 작은 기계</a:t>
+            </a:r>
+            <a:r>
+              <a:rPr lang="en-US" altLang="ko-KR" sz="2000" dirty="0"/>
+              <a:t>.</a:t>
+            </a:r>
+          </a:p>
+          <a:p>
+            <a:pPr marL="0" indent="0" defTabSz="508000">
+              <a:buFontTx/>
+              <a:buNone/>
+            </a:pPr>
+            <a:r>
+              <a:rPr lang="ko-KR" altLang="en-US" sz="2000" dirty="0"/>
+              <a:t>반도체의 증착</a:t>
+            </a:r>
+            <a:r>
+              <a:rPr lang="en-US" altLang="ko-KR" sz="2000" dirty="0"/>
+              <a:t>(deposition), </a:t>
+            </a:r>
+            <a:r>
+              <a:rPr lang="ko-KR" altLang="en-US" sz="2000" dirty="0" err="1"/>
+              <a:t>포토리소그래피</a:t>
+            </a:r>
+            <a:r>
+              <a:rPr lang="en-US" altLang="ko-KR" sz="2000" dirty="0"/>
+              <a:t>(photolithography), </a:t>
+            </a:r>
+            <a:r>
+              <a:rPr lang="ko-KR" altLang="en-US" sz="2000" dirty="0" err="1"/>
+              <a:t>에칭</a:t>
+            </a:r>
+            <a:r>
+              <a:rPr lang="en-US" altLang="ko-KR" sz="2000" dirty="0"/>
+              <a:t>(etching) </a:t>
+            </a:r>
+            <a:r>
+              <a:rPr lang="ko-KR" altLang="en-US" sz="2000" dirty="0"/>
+              <a:t>기술이 사용된다</a:t>
+            </a:r>
+            <a:r>
+              <a:rPr lang="en-US" altLang="ko-KR" sz="2000" dirty="0"/>
+              <a:t>.</a:t>
+            </a:r>
+          </a:p>
+          <a:p>
+            <a:pPr marL="0" indent="0" defTabSz="508000">
+              <a:buFontTx/>
+              <a:buNone/>
+            </a:pPr>
+            <a:endParaRPr lang="en-US" altLang="ko-KR" sz="2000" dirty="0"/>
+          </a:p>
+          <a:p>
+            <a:pPr marL="0" indent="0" defTabSz="508000">
+              <a:buFontTx/>
+              <a:buNone/>
+            </a:pPr>
+            <a:r>
+              <a:rPr lang="ko-KR" altLang="en-US" sz="2000" b="1" dirty="0"/>
+              <a:t>측정가능한 것</a:t>
+            </a:r>
+            <a:endParaRPr lang="en-US" altLang="ko-KR" sz="2000" b="1" dirty="0"/>
+          </a:p>
+          <a:p>
+            <a:pPr marL="0" indent="0" defTabSz="508000">
+              <a:buFontTx/>
+              <a:buNone/>
+            </a:pPr>
+            <a:r>
+              <a:rPr lang="ko-KR" altLang="en-US" sz="2000" dirty="0"/>
+              <a:t>움직임</a:t>
+            </a:r>
+            <a:r>
+              <a:rPr lang="en-US" altLang="ko-KR" sz="2000" dirty="0"/>
+              <a:t>(Movement), </a:t>
+            </a:r>
+            <a:r>
+              <a:rPr lang="ko-KR" altLang="en-US" sz="2000" dirty="0"/>
+              <a:t>진동</a:t>
+            </a:r>
+            <a:r>
+              <a:rPr lang="en-US" altLang="ko-KR" sz="2000" dirty="0"/>
+              <a:t>(Vibration), </a:t>
+            </a:r>
+          </a:p>
+          <a:p>
+            <a:pPr marL="0" indent="0" defTabSz="508000">
+              <a:buFontTx/>
+              <a:buNone/>
+            </a:pPr>
+            <a:r>
+              <a:rPr lang="ko-KR" altLang="en-US" sz="2000" dirty="0"/>
+              <a:t>낙하</a:t>
+            </a:r>
+            <a:r>
+              <a:rPr lang="en-US" altLang="ko-KR" sz="2000" dirty="0"/>
+              <a:t>(Fall), </a:t>
+            </a:r>
+            <a:r>
+              <a:rPr lang="ko-KR" altLang="en-US" sz="2000" dirty="0"/>
+              <a:t>기울기</a:t>
+            </a:r>
+            <a:r>
+              <a:rPr lang="en-US" altLang="ko-KR" sz="2000" dirty="0"/>
+              <a:t>(Tilt), </a:t>
+            </a:r>
+            <a:r>
+              <a:rPr lang="ko-KR" altLang="en-US" sz="2000" dirty="0"/>
+              <a:t>충격</a:t>
+            </a:r>
+            <a:r>
+              <a:rPr lang="en-US" altLang="ko-KR" sz="2000" dirty="0"/>
+              <a:t>(Shock), </a:t>
+            </a:r>
+          </a:p>
+          <a:p>
+            <a:pPr marL="0" indent="0" defTabSz="508000">
+              <a:buFontTx/>
+              <a:buNone/>
+            </a:pPr>
+            <a:r>
+              <a:rPr lang="ko-KR" altLang="en-US" sz="2000" dirty="0"/>
+              <a:t>위치</a:t>
+            </a:r>
+            <a:r>
+              <a:rPr lang="en-US" altLang="ko-KR" sz="2000" dirty="0"/>
+              <a:t>(Position)</a:t>
+            </a:r>
+            <a:r>
+              <a:rPr lang="ko-KR" altLang="en-US" sz="2000" dirty="0"/>
+              <a:t>를 </a:t>
+            </a:r>
+            <a:r>
+              <a:rPr lang="ko-KR" altLang="en-US" sz="2000" dirty="0" err="1"/>
+              <a:t>측정가능하다</a:t>
+            </a:r>
+            <a:r>
+              <a:rPr lang="en-US" altLang="ko-KR" sz="2000" dirty="0"/>
+              <a:t>.</a:t>
+            </a:r>
+            <a:endParaRPr lang="ko-KR" altLang="en-US" sz="2000" dirty="0"/>
+          </a:p>
+        </p:txBody>
+      </p:sp>
+      <p:sp>
+        <p:nvSpPr>
+          <p:cNvPr id="4" name="직사각형 3">
+            <a:extLst>
+              <a:ext uri="{FF2B5EF4-FFF2-40B4-BE49-F238E27FC236}">
+                <a16:creationId xmlns:a16="http://schemas.microsoft.com/office/drawing/2014/main" id="{9E7A48F8-D51E-429A-A104-2DF07A77CB3A}"/>
+              </a:ext>
+            </a:extLst>
+          </p:cNvPr>
+          <p:cNvSpPr/>
+          <p:nvPr/>
+        </p:nvSpPr>
+        <p:spPr>
+          <a:xfrm>
+            <a:off x="3664161" y="434975"/>
+            <a:ext cx="5952271" cy="707886"/>
+          </a:xfrm>
+          <a:prstGeom prst="rect">
+            <a:avLst/>
+          </a:prstGeom>
+          <a:noFill/>
+        </p:spPr>
+        <p:txBody>
+          <a:bodyPr vert="horz" wrap="none" lIns="91440" tIns="45720" rIns="91440" bIns="45720" numCol="1" anchor="t">
+            <a:spAutoFit/>
+          </a:bodyPr>
+          <a:lstStyle/>
+          <a:p>
+            <a:pPr marL="0" indent="0" algn="ctr" defTabSz="508000">
+              <a:buFontTx/>
+              <a:buNone/>
+            </a:pPr>
+            <a:r>
+              <a:rPr lang="ko-KR" altLang="en-US" sz="4000" b="1" dirty="0">
+                <a:effectLst>
+                  <a:outerShdw blurRad="38100" dist="19050" dir="2700000" algn="tl" rotWithShape="0">
+                    <a:schemeClr val="dk1">
+                      <a:alpha val="40000"/>
+                    </a:schemeClr>
+                  </a:outerShdw>
+                </a:effectLst>
+              </a:rPr>
+              <a:t>가속도 센서</a:t>
+            </a:r>
+            <a:r>
+              <a:rPr lang="en-US" altLang="ko-KR" sz="4000" b="1" dirty="0">
+                <a:effectLst>
+                  <a:outerShdw blurRad="38100" dist="19050" dir="2700000" algn="tl" rotWithShape="0">
+                    <a:schemeClr val="dk1">
+                      <a:alpha val="40000"/>
+                    </a:schemeClr>
+                  </a:outerShdw>
+                </a:effectLst>
+              </a:rPr>
+              <a:t>&amp;</a:t>
+            </a:r>
+            <a:r>
+              <a:rPr lang="ko-KR" altLang="en-US" sz="4000" b="1" dirty="0" err="1">
+                <a:effectLst>
+                  <a:outerShdw blurRad="38100" dist="19050" dir="2700000" algn="tl" rotWithShape="0">
+                    <a:schemeClr val="dk1">
+                      <a:alpha val="40000"/>
+                    </a:schemeClr>
+                  </a:outerShdw>
+                </a:effectLst>
+              </a:rPr>
+              <a:t>자이로</a:t>
+            </a:r>
+            <a:r>
+              <a:rPr lang="ko-KR" altLang="en-US" sz="4000" b="1" dirty="0">
+                <a:effectLst>
+                  <a:outerShdw blurRad="38100" dist="19050" dir="2700000" algn="tl" rotWithShape="0">
+                    <a:schemeClr val="dk1">
+                      <a:alpha val="40000"/>
+                    </a:schemeClr>
+                  </a:outerShdw>
+                </a:effectLst>
+              </a:rPr>
+              <a:t> 센서</a:t>
+            </a:r>
+            <a:endParaRPr lang="ko-KR" altLang="en-US" sz="4000" b="1" dirty="0"/>
+          </a:p>
+        </p:txBody>
+      </p:sp>
+      <p:sp>
+        <p:nvSpPr>
+          <p:cNvPr id="5" name="TextBox 4">
+            <a:extLst>
+              <a:ext uri="{FF2B5EF4-FFF2-40B4-BE49-F238E27FC236}">
+                <a16:creationId xmlns:a16="http://schemas.microsoft.com/office/drawing/2014/main" id="{9E0C5A4E-03EC-47AB-B12E-C6DEF676E4A8}"/>
+              </a:ext>
+            </a:extLst>
+          </p:cNvPr>
+          <p:cNvSpPr txBox="1"/>
+          <p:nvPr/>
+        </p:nvSpPr>
+        <p:spPr>
+          <a:xfrm>
+            <a:off x="5605399" y="1142861"/>
+            <a:ext cx="2069797" cy="707886"/>
+          </a:xfrm>
+          <a:prstGeom prst="rect">
+            <a:avLst/>
+          </a:prstGeom>
+          <a:noFill/>
+        </p:spPr>
+        <p:txBody>
+          <a:bodyPr wrap="none" rtlCol="0">
+            <a:spAutoFit/>
+          </a:bodyPr>
+          <a:lstStyle/>
+          <a:p>
+            <a:r>
+              <a:rPr lang="en-US" altLang="ko-KR" sz="4000" b="1" dirty="0"/>
+              <a:t>-MEMS-</a:t>
+            </a:r>
+            <a:endParaRPr lang="ko-KR" altLang="en-US" sz="4000" b="1" dirty="0"/>
+          </a:p>
+        </p:txBody>
+      </p:sp>
+      <p:pic>
+        <p:nvPicPr>
+          <p:cNvPr id="6" name="그림 5" descr="시계, 표지판이(가) 표시된 사진&#10;&#10;자동 생성된 설명">
+            <a:extLst>
+              <a:ext uri="{FF2B5EF4-FFF2-40B4-BE49-F238E27FC236}">
+                <a16:creationId xmlns:a16="http://schemas.microsoft.com/office/drawing/2014/main" id="{61A84991-C285-422C-ADD0-5251D39093C2}"/>
+              </a:ext>
+            </a:extLst>
+          </p:cNvPr>
+          <p:cNvPicPr>
+            <a:picLocks noChangeAspect="1"/>
+          </p:cNvPicPr>
+          <p:nvPr/>
+        </p:nvPicPr>
+        <p:blipFill>
+          <a:blip r:embed="rId3">
+            <a:extLst>
+              <a:ext uri="{28A0092B-C50C-407E-A947-70E740481C1C}">
+                <a14:useLocalDpi xmlns:a14="http://schemas.microsoft.com/office/drawing/2010/main" val="0"/>
+              </a:ext>
+            </a:extLst>
+          </a:blip>
+          <a:stretch>
+            <a:fillRect/>
+          </a:stretch>
+        </p:blipFill>
+        <p:spPr>
+          <a:xfrm>
+            <a:off x="5605399" y="3614112"/>
+            <a:ext cx="3919706" cy="3023773"/>
+          </a:xfrm>
+          <a:prstGeom prst="rect">
+            <a:avLst/>
+          </a:prstGeom>
+        </p:spPr>
+      </p:pic>
+    </p:spTree>
+    <p:extLst>
+      <p:ext uri="{BB962C8B-B14F-4D97-AF65-F5344CB8AC3E}">
+        <p14:creationId xmlns:p14="http://schemas.microsoft.com/office/powerpoint/2010/main" val="168574539"/>
+      </p:ext>
+    </p:extLst>
+  </p:cSld>
+  <p:clrMapOvr>
+    <a:masterClrMapping/>
+  </p:clrMapOvr>
+</p:sld>
+</file>
+
+<file path=ppt/slides/slide12.xml><?xml version="1.0" encoding="utf-8"?>
+<p:sld xmlns:a="http://schemas.openxmlformats.org/drawingml/2006/main" xmlns:r="http://schemas.openxmlformats.org/officeDocument/2006/relationships" xmlns:p="http://schemas.openxmlformats.org/presentationml/2006/main">
+  <p:cSld>
+    <p:spTree>
+      <p:nvGrpSpPr>
+        <p:cNvPr id="1" name=""/>
+        <p:cNvGrpSpPr/>
+        <p:nvPr/>
+      </p:nvGrpSpPr>
+      <p:grpSpPr>
+        <a:xfrm>
+          <a:off x="0" y="0"/>
+          <a:ext cx="0" cy="0"/>
+          <a:chOff x="0" y="0"/>
+          <a:chExt cx="0" cy="0"/>
+        </a:xfrm>
+      </p:grpSpPr>
+      <p:sp>
+        <p:nvSpPr>
+          <p:cNvPr id="3" name="TextBox 2"/>
+          <p:cNvSpPr txBox="1">
+            <a:spLocks/>
+          </p:cNvSpPr>
+          <p:nvPr/>
+        </p:nvSpPr>
+        <p:spPr>
+          <a:xfrm>
+            <a:off x="1658044" y="2290226"/>
+            <a:ext cx="2075214" cy="400110"/>
+          </a:xfrm>
+          <a:prstGeom prst="rect">
+            <a:avLst/>
+          </a:prstGeom>
+          <a:noFill/>
+        </p:spPr>
+        <p:txBody>
+          <a:bodyPr vert="horz" wrap="square" lIns="91440" tIns="45720" rIns="91440" bIns="45720" numCol="1" anchor="t">
+            <a:spAutoFit/>
+          </a:bodyPr>
+          <a:lstStyle/>
+          <a:p>
+            <a:pPr marL="0" indent="0" defTabSz="508000">
+              <a:buFontTx/>
+              <a:buNone/>
+            </a:pPr>
+            <a:r>
+              <a:rPr lang="ko-KR" altLang="en-US" sz="2000" b="1" dirty="0"/>
+              <a:t>가속도센서 모델</a:t>
+            </a:r>
+            <a:endParaRPr lang="en-US" altLang="ko-KR" sz="2000" b="1" dirty="0"/>
+          </a:p>
+        </p:txBody>
+      </p:sp>
+      <p:sp>
+        <p:nvSpPr>
+          <p:cNvPr id="4" name="직사각형 3">
+            <a:extLst>
+              <a:ext uri="{FF2B5EF4-FFF2-40B4-BE49-F238E27FC236}">
+                <a16:creationId xmlns:a16="http://schemas.microsoft.com/office/drawing/2014/main" id="{9E7A48F8-D51E-429A-A104-2DF07A77CB3A}"/>
+              </a:ext>
+            </a:extLst>
+          </p:cNvPr>
+          <p:cNvSpPr/>
+          <p:nvPr/>
+        </p:nvSpPr>
+        <p:spPr>
+          <a:xfrm>
+            <a:off x="3664161" y="434975"/>
+            <a:ext cx="5952271" cy="707886"/>
+          </a:xfrm>
+          <a:prstGeom prst="rect">
+            <a:avLst/>
+          </a:prstGeom>
+          <a:noFill/>
+        </p:spPr>
+        <p:txBody>
+          <a:bodyPr vert="horz" wrap="none" lIns="91440" tIns="45720" rIns="91440" bIns="45720" numCol="1" anchor="t">
+            <a:spAutoFit/>
+          </a:bodyPr>
+          <a:lstStyle/>
+          <a:p>
+            <a:pPr marL="0" indent="0" algn="ctr" defTabSz="508000">
+              <a:buFontTx/>
+              <a:buNone/>
+            </a:pPr>
+            <a:r>
+              <a:rPr lang="ko-KR" altLang="en-US" sz="4000" b="1" dirty="0">
+                <a:effectLst>
+                  <a:outerShdw blurRad="38100" dist="19050" dir="2700000" algn="tl" rotWithShape="0">
+                    <a:schemeClr val="dk1">
+                      <a:alpha val="40000"/>
+                    </a:schemeClr>
+                  </a:outerShdw>
+                </a:effectLst>
+              </a:rPr>
+              <a:t>가속도 센서</a:t>
+            </a:r>
+            <a:r>
+              <a:rPr lang="en-US" altLang="ko-KR" sz="4000" b="1" dirty="0">
+                <a:effectLst>
+                  <a:outerShdw blurRad="38100" dist="19050" dir="2700000" algn="tl" rotWithShape="0">
+                    <a:schemeClr val="dk1">
+                      <a:alpha val="40000"/>
+                    </a:schemeClr>
+                  </a:outerShdw>
+                </a:effectLst>
+              </a:rPr>
+              <a:t>&amp;</a:t>
+            </a:r>
+            <a:r>
+              <a:rPr lang="ko-KR" altLang="en-US" sz="4000" b="1" dirty="0" err="1">
+                <a:effectLst>
+                  <a:outerShdw blurRad="38100" dist="19050" dir="2700000" algn="tl" rotWithShape="0">
+                    <a:schemeClr val="dk1">
+                      <a:alpha val="40000"/>
+                    </a:schemeClr>
+                  </a:outerShdw>
+                </a:effectLst>
+              </a:rPr>
+              <a:t>자이로</a:t>
+            </a:r>
+            <a:r>
+              <a:rPr lang="ko-KR" altLang="en-US" sz="4000" b="1" dirty="0">
+                <a:effectLst>
+                  <a:outerShdw blurRad="38100" dist="19050" dir="2700000" algn="tl" rotWithShape="0">
+                    <a:schemeClr val="dk1">
+                      <a:alpha val="40000"/>
+                    </a:schemeClr>
+                  </a:outerShdw>
+                </a:effectLst>
+              </a:rPr>
+              <a:t> 센서</a:t>
+            </a:r>
+            <a:endParaRPr lang="ko-KR" altLang="en-US" sz="4000" b="1" dirty="0"/>
+          </a:p>
+        </p:txBody>
+      </p:sp>
+      <p:sp>
+        <p:nvSpPr>
+          <p:cNvPr id="5" name="TextBox 4">
+            <a:extLst>
+              <a:ext uri="{FF2B5EF4-FFF2-40B4-BE49-F238E27FC236}">
+                <a16:creationId xmlns:a16="http://schemas.microsoft.com/office/drawing/2014/main" id="{9E0C5A4E-03EC-47AB-B12E-C6DEF676E4A8}"/>
+              </a:ext>
+            </a:extLst>
+          </p:cNvPr>
+          <p:cNvSpPr txBox="1"/>
+          <p:nvPr/>
+        </p:nvSpPr>
+        <p:spPr>
+          <a:xfrm>
+            <a:off x="5605399" y="1142861"/>
+            <a:ext cx="2069797" cy="707886"/>
+          </a:xfrm>
+          <a:prstGeom prst="rect">
+            <a:avLst/>
+          </a:prstGeom>
+          <a:noFill/>
+        </p:spPr>
+        <p:txBody>
+          <a:bodyPr wrap="none" rtlCol="0">
+            <a:spAutoFit/>
+          </a:bodyPr>
+          <a:lstStyle/>
+          <a:p>
+            <a:r>
+              <a:rPr lang="en-US" altLang="ko-KR" sz="4000" b="1" dirty="0"/>
+              <a:t>-MEMS-</a:t>
+            </a:r>
+            <a:endParaRPr lang="ko-KR" altLang="en-US" sz="4000" b="1" dirty="0"/>
+          </a:p>
+        </p:txBody>
+      </p:sp>
+      <p:sp>
+        <p:nvSpPr>
+          <p:cNvPr id="2" name="TextBox 1">
+            <a:extLst>
+              <a:ext uri="{FF2B5EF4-FFF2-40B4-BE49-F238E27FC236}">
+                <a16:creationId xmlns:a16="http://schemas.microsoft.com/office/drawing/2014/main" id="{F982C1EF-5686-4D83-9506-696CE31F89E7}"/>
+              </a:ext>
+            </a:extLst>
+          </p:cNvPr>
+          <p:cNvSpPr txBox="1"/>
+          <p:nvPr/>
+        </p:nvSpPr>
+        <p:spPr>
+          <a:xfrm>
+            <a:off x="6172743" y="2305615"/>
+            <a:ext cx="1864613" cy="369332"/>
+          </a:xfrm>
+          <a:prstGeom prst="rect">
+            <a:avLst/>
+          </a:prstGeom>
+          <a:noFill/>
+        </p:spPr>
+        <p:txBody>
+          <a:bodyPr wrap="none" rtlCol="0">
+            <a:spAutoFit/>
+          </a:bodyPr>
+          <a:lstStyle/>
+          <a:p>
+            <a:r>
+              <a:rPr lang="ko-KR" altLang="en-US" b="1" dirty="0" err="1"/>
+              <a:t>자이로센서</a:t>
+            </a:r>
+            <a:r>
+              <a:rPr lang="ko-KR" altLang="en-US" b="1" dirty="0"/>
+              <a:t> 모델</a:t>
+            </a:r>
+            <a:endParaRPr lang="en-US" altLang="ko-KR" b="1" dirty="0"/>
+          </a:p>
+        </p:txBody>
+      </p:sp>
+      <p:pic>
+        <p:nvPicPr>
+          <p:cNvPr id="11" name="그림 10" descr="그리기, 시계이(가) 표시된 사진&#10;&#10;자동 생성된 설명">
+            <a:extLst>
+              <a:ext uri="{FF2B5EF4-FFF2-40B4-BE49-F238E27FC236}">
+                <a16:creationId xmlns:a16="http://schemas.microsoft.com/office/drawing/2014/main" id="{F8F6658E-02F2-482B-8DB9-28CEDC05EDF3}"/>
+              </a:ext>
+            </a:extLst>
+          </p:cNvPr>
+          <p:cNvPicPr>
+            <a:picLocks noChangeAspect="1"/>
+          </p:cNvPicPr>
+          <p:nvPr/>
+        </p:nvPicPr>
+        <p:blipFill>
+          <a:blip r:embed="rId3">
+            <a:extLst>
+              <a:ext uri="{28A0092B-C50C-407E-A947-70E740481C1C}">
+                <a14:useLocalDpi xmlns:a14="http://schemas.microsoft.com/office/drawing/2010/main" val="0"/>
+              </a:ext>
+            </a:extLst>
+          </a:blip>
+          <a:stretch>
+            <a:fillRect/>
+          </a:stretch>
+        </p:blipFill>
+        <p:spPr>
+          <a:xfrm>
+            <a:off x="1117778" y="3111165"/>
+            <a:ext cx="3155746" cy="2880000"/>
+          </a:xfrm>
+          <a:prstGeom prst="rect">
+            <a:avLst/>
+          </a:prstGeom>
+        </p:spPr>
+      </p:pic>
+      <p:pic>
+        <p:nvPicPr>
+          <p:cNvPr id="13" name="그림 12">
+            <a:extLst>
+              <a:ext uri="{FF2B5EF4-FFF2-40B4-BE49-F238E27FC236}">
+                <a16:creationId xmlns:a16="http://schemas.microsoft.com/office/drawing/2014/main" id="{5E01DBB5-701C-4A96-873D-C0BAEE97EE83}"/>
+              </a:ext>
+            </a:extLst>
+          </p:cNvPr>
+          <p:cNvPicPr>
+            <a:picLocks noChangeAspect="1"/>
+          </p:cNvPicPr>
+          <p:nvPr/>
+        </p:nvPicPr>
+        <p:blipFill>
+          <a:blip r:embed="rId4">
+            <a:extLst>
+              <a:ext uri="{28A0092B-C50C-407E-A947-70E740481C1C}">
+                <a14:useLocalDpi xmlns:a14="http://schemas.microsoft.com/office/drawing/2010/main" val="0"/>
+              </a:ext>
+            </a:extLst>
+          </a:blip>
+          <a:stretch>
+            <a:fillRect/>
+          </a:stretch>
+        </p:blipFill>
+        <p:spPr>
+          <a:xfrm>
+            <a:off x="5277356" y="3111165"/>
+            <a:ext cx="3655385" cy="2880000"/>
+          </a:xfrm>
+          <a:prstGeom prst="rect">
+            <a:avLst/>
+          </a:prstGeom>
+        </p:spPr>
+      </p:pic>
+    </p:spTree>
+    <p:extLst>
+      <p:ext uri="{BB962C8B-B14F-4D97-AF65-F5344CB8AC3E}">
+        <p14:creationId xmlns:p14="http://schemas.microsoft.com/office/powerpoint/2010/main" val="1715222683"/>
+      </p:ext>
+    </p:extLst>
+  </p:cSld>
+  <p:clrMapOvr>
+    <a:masterClrMapping/>
+  </p:clrMapOvr>
+</p:sld>
+</file>
+
+<file path=ppt/slides/slide2.xml><?xml version="1.0" encoding="utf-8"?>
+<p:sld xmlns:a="http://schemas.openxmlformats.org/drawingml/2006/main" xmlns:r="http://schemas.openxmlformats.org/officeDocument/2006/relationships" xmlns:p="http://schemas.openxmlformats.org/presentationml/2006/main">
+  <p:cSld>
+    <p:spTree>
+      <p:nvGrpSpPr>
+        <p:cNvPr id="1" name=""/>
+        <p:cNvGrpSpPr/>
+        <p:nvPr/>
+      </p:nvGrpSpPr>
+      <p:grpSpPr>
+        <a:xfrm>
+          <a:off x="0" y="0"/>
+          <a:ext cx="0" cy="0"/>
+          <a:chOff x="0" y="0"/>
+          <a:chExt cx="0" cy="0"/>
+        </a:xfrm>
+      </p:grpSpPr>
+      <p:sp>
+        <p:nvSpPr>
+          <p:cNvPr id="2" name="직사각형 1">
+            <a:extLst>
+              <a:ext uri="{FF2B5EF4-FFF2-40B4-BE49-F238E27FC236}">
+                <a16:creationId xmlns:a16="http://schemas.microsoft.com/office/drawing/2014/main" id="{05E2ACA8-CF14-446C-A9E2-DCF4AFF8EA50}"/>
+              </a:ext>
+            </a:extLst>
+          </p:cNvPr>
+          <p:cNvSpPr/>
+          <p:nvPr/>
+        </p:nvSpPr>
+        <p:spPr>
+          <a:xfrm>
+            <a:off x="5054837" y="434975"/>
+            <a:ext cx="3324949" cy="707886"/>
+          </a:xfrm>
+          <a:prstGeom prst="rect">
+            <a:avLst/>
+          </a:prstGeom>
+          <a:noFill/>
+        </p:spPr>
+        <p:txBody>
+          <a:bodyPr vert="horz" wrap="none" lIns="91440" tIns="45720" rIns="91440" bIns="45720" numCol="1" anchor="t">
+            <a:spAutoFit/>
+          </a:bodyPr>
+          <a:lstStyle/>
+          <a:p>
+            <a:pPr marL="0" indent="0" algn="ctr" defTabSz="508000">
+              <a:buFontTx/>
+              <a:buNone/>
+            </a:pPr>
+            <a:r>
+              <a:rPr lang="en-US" altLang="ko-KR" sz="4000" b="1" dirty="0">
+                <a:effectLst>
+                  <a:outerShdw blurRad="38100" dist="19050" dir="2700000" algn="tl" rotWithShape="0">
+                    <a:schemeClr val="dk1">
+                      <a:alpha val="40000"/>
+                    </a:schemeClr>
+                  </a:outerShdw>
+                </a:effectLst>
+              </a:rPr>
+              <a:t>PPT</a:t>
+            </a:r>
+            <a:r>
+              <a:rPr lang="ko-KR" altLang="en-US" sz="4000" b="1" dirty="0">
+                <a:effectLst>
+                  <a:outerShdw blurRad="38100" dist="19050" dir="2700000" algn="tl" rotWithShape="0">
+                    <a:schemeClr val="dk1">
+                      <a:alpha val="40000"/>
+                    </a:schemeClr>
+                  </a:outerShdw>
+                </a:effectLst>
+              </a:rPr>
+              <a:t> </a:t>
+            </a:r>
+            <a:r>
+              <a:rPr lang="en-US" altLang="ko-KR" sz="4000" b="1" dirty="0">
+                <a:effectLst>
+                  <a:outerShdw blurRad="38100" dist="19050" dir="2700000" algn="tl" rotWithShape="0">
+                    <a:schemeClr val="dk1">
+                      <a:alpha val="40000"/>
+                    </a:schemeClr>
+                  </a:outerShdw>
+                </a:effectLst>
+              </a:rPr>
+              <a:t>Contents</a:t>
+            </a:r>
+            <a:endParaRPr lang="ko-KR" altLang="en-US" sz="4000" b="1" dirty="0"/>
+          </a:p>
+        </p:txBody>
+      </p:sp>
+      <p:sp>
+        <p:nvSpPr>
+          <p:cNvPr id="4" name="TextBox 3">
+            <a:extLst>
+              <a:ext uri="{FF2B5EF4-FFF2-40B4-BE49-F238E27FC236}">
+                <a16:creationId xmlns:a16="http://schemas.microsoft.com/office/drawing/2014/main" id="{18A1AE52-3E8A-4F94-BC90-725A445EE10F}"/>
+              </a:ext>
+            </a:extLst>
+          </p:cNvPr>
+          <p:cNvSpPr txBox="1"/>
+          <p:nvPr/>
+        </p:nvSpPr>
+        <p:spPr>
+          <a:xfrm>
+            <a:off x="757908" y="1618023"/>
+            <a:ext cx="4296929" cy="3416320"/>
+          </a:xfrm>
+          <a:prstGeom prst="rect">
+            <a:avLst/>
+          </a:prstGeom>
+          <a:noFill/>
+        </p:spPr>
+        <p:txBody>
+          <a:bodyPr wrap="square" rtlCol="0">
+            <a:spAutoFit/>
+          </a:bodyPr>
+          <a:lstStyle/>
+          <a:p>
+            <a:r>
+              <a:rPr lang="en-US" altLang="ko-KR" sz="2400" b="1" dirty="0"/>
+              <a:t>1. </a:t>
+            </a:r>
+            <a:r>
+              <a:rPr lang="ko-KR" altLang="en-US" sz="2400" b="1" dirty="0"/>
+              <a:t>서비스 개요</a:t>
+            </a:r>
+            <a:endParaRPr lang="en-US" altLang="ko-KR" sz="2400" b="1" dirty="0"/>
+          </a:p>
+          <a:p>
+            <a:r>
+              <a:rPr lang="en-US" altLang="ko-KR" sz="2400" b="1" dirty="0"/>
+              <a:t>	1) </a:t>
+            </a:r>
+            <a:r>
+              <a:rPr lang="ko-KR" altLang="en-US" sz="2400" b="1" dirty="0"/>
+              <a:t>대략적인 구조 설명</a:t>
+            </a:r>
+            <a:endParaRPr lang="en-US" altLang="ko-KR" sz="2400" b="1" dirty="0"/>
+          </a:p>
+          <a:p>
+            <a:r>
+              <a:rPr lang="en-US" altLang="ko-KR" sz="2400" b="1" dirty="0"/>
+              <a:t>	2) System Architecture</a:t>
+            </a:r>
+          </a:p>
+          <a:p>
+            <a:endParaRPr lang="en-US" altLang="ko-KR" sz="2400" b="1" dirty="0"/>
+          </a:p>
+          <a:p>
+            <a:r>
+              <a:rPr lang="en-US" altLang="ko-KR" sz="2400" b="1" dirty="0"/>
+              <a:t>2. </a:t>
+            </a:r>
+            <a:r>
+              <a:rPr lang="ko-KR" altLang="en-US" sz="2400" b="1" dirty="0"/>
+              <a:t>참고기술</a:t>
+            </a:r>
+            <a:endParaRPr lang="en-US" altLang="ko-KR" sz="2400" b="1" dirty="0"/>
+          </a:p>
+          <a:p>
+            <a:r>
+              <a:rPr lang="en-US" altLang="ko-KR" sz="2400" b="1" dirty="0"/>
+              <a:t>	1) BLE</a:t>
+            </a:r>
+          </a:p>
+          <a:p>
+            <a:r>
+              <a:rPr lang="en-US" altLang="ko-KR" sz="2400" b="1" dirty="0"/>
+              <a:t>	2) MST</a:t>
+            </a:r>
+          </a:p>
+          <a:p>
+            <a:r>
+              <a:rPr lang="en-US" altLang="ko-KR" sz="2400" b="1" dirty="0"/>
+              <a:t>	3) NFC</a:t>
+            </a:r>
+          </a:p>
+          <a:p>
+            <a:r>
+              <a:rPr lang="en-US" altLang="ko-KR" sz="2400" b="1" dirty="0"/>
+              <a:t>	4) </a:t>
+            </a:r>
+            <a:r>
+              <a:rPr lang="ko-KR" altLang="en-US" sz="2400" b="1" dirty="0"/>
+              <a:t>가속도</a:t>
+            </a:r>
+            <a:r>
+              <a:rPr lang="en-US" altLang="ko-KR" sz="2400" b="1" dirty="0"/>
+              <a:t>&amp;</a:t>
+            </a:r>
+            <a:r>
+              <a:rPr lang="ko-KR" altLang="en-US" sz="2400" b="1" dirty="0" err="1"/>
+              <a:t>자이로센서</a:t>
+            </a:r>
+            <a:endParaRPr lang="en-US" altLang="ko-KR" sz="2400" b="1" dirty="0"/>
+          </a:p>
+        </p:txBody>
+      </p:sp>
+    </p:spTree>
+    <p:extLst>
+      <p:ext uri="{BB962C8B-B14F-4D97-AF65-F5344CB8AC3E}">
+        <p14:creationId xmlns:p14="http://schemas.microsoft.com/office/powerpoint/2010/main" val="3438502402"/>
+      </p:ext>
+    </p:extLst>
+  </p:cSld>
+  <p:clrMapOvr>
+    <a:masterClrMapping/>
+  </p:clrMapOvr>
+</p:sld>
+</file>
+
+<file path=ppt/slides/slide3.xml><?xml version="1.0" encoding="utf-8"?>
+<p:sld xmlns:a="http://schemas.openxmlformats.org/drawingml/2006/main" xmlns:r="http://schemas.openxmlformats.org/officeDocument/2006/relationships" xmlns:p="http://schemas.openxmlformats.org/presentationml/2006/main">
+  <p:cSld>
+    <p:spTree>
+      <p:nvGrpSpPr>
+        <p:cNvPr id="1" name=""/>
+        <p:cNvGrpSpPr/>
+        <p:nvPr/>
+      </p:nvGrpSpPr>
+      <p:grpSpPr>
+        <a:xfrm>
+          <a:off x="0" y="0"/>
+          <a:ext cx="0" cy="0"/>
+          <a:chOff x="0" y="0"/>
+          <a:chExt cx="0" cy="0"/>
+        </a:xfrm>
+      </p:grpSpPr>
+      <p:sp>
+        <p:nvSpPr>
+          <p:cNvPr id="3" name="직사각형 2">
+            <a:extLst>
+              <a:ext uri="{FF2B5EF4-FFF2-40B4-BE49-F238E27FC236}">
+                <a16:creationId xmlns:a16="http://schemas.microsoft.com/office/drawing/2014/main" id="{395143CD-1FE9-41CC-88AB-8BC072125ED3}"/>
+              </a:ext>
+            </a:extLst>
+          </p:cNvPr>
+          <p:cNvSpPr/>
+          <p:nvPr/>
+        </p:nvSpPr>
+        <p:spPr>
+          <a:xfrm>
+            <a:off x="2444944" y="2413337"/>
+            <a:ext cx="5016118" cy="1015663"/>
+          </a:xfrm>
+          <a:prstGeom prst="rect">
+            <a:avLst/>
+          </a:prstGeom>
+          <a:noFill/>
+        </p:spPr>
+        <p:txBody>
+          <a:bodyPr vert="horz" wrap="none" lIns="91440" tIns="45720" rIns="91440" bIns="45720" numCol="1" anchor="t">
+            <a:spAutoFit/>
+          </a:bodyPr>
+          <a:lstStyle/>
+          <a:p>
+            <a:pPr marL="0" indent="0" algn="ctr" defTabSz="508000">
+              <a:buFontTx/>
+              <a:buNone/>
+            </a:pPr>
+            <a:r>
+              <a:rPr lang="ko-KR" altLang="en-US" sz="6000" b="1" dirty="0"/>
+              <a:t>제작할 서비스</a:t>
+            </a:r>
+          </a:p>
+        </p:txBody>
+      </p:sp>
+    </p:spTree>
+    <p:extLst>
+      <p:ext uri="{BB962C8B-B14F-4D97-AF65-F5344CB8AC3E}">
+        <p14:creationId xmlns:p14="http://schemas.microsoft.com/office/powerpoint/2010/main" val="2780544239"/>
+      </p:ext>
+    </p:extLst>
+  </p:cSld>
+  <p:clrMapOvr>
+    <a:masterClrMapping/>
+  </p:clrMapOvr>
+</p:sld>
+</file>
+
+<file path=ppt/slides/slide4.xml><?xml version="1.0" encoding="utf-8"?>
+<p:sld xmlns:a="http://schemas.openxmlformats.org/drawingml/2006/main" xmlns:r="http://schemas.openxmlformats.org/officeDocument/2006/relationships" xmlns:p="http://schemas.openxmlformats.org/presentationml/2006/main">
+  <p:cSld>
+    <p:spTree>
+      <p:nvGrpSpPr>
+        <p:cNvPr id="1" name=""/>
+        <p:cNvGrpSpPr/>
+        <p:nvPr/>
+      </p:nvGrpSpPr>
+      <p:grpSpPr>
+        <a:xfrm>
+          <a:off x="0" y="0"/>
+          <a:ext cx="0" cy="0"/>
+          <a:chOff x="0" y="0"/>
+          <a:chExt cx="0" cy="0"/>
+        </a:xfrm>
+      </p:grpSpPr>
+      <p:sp>
+        <p:nvSpPr>
+          <p:cNvPr id="2" name="직사각형 1">
+            <a:extLst>
+              <a:ext uri="{FF2B5EF4-FFF2-40B4-BE49-F238E27FC236}">
+                <a16:creationId xmlns:a16="http://schemas.microsoft.com/office/drawing/2014/main" id="{05E2ACA8-CF14-446C-A9E2-DCF4AFF8EA50}"/>
+              </a:ext>
+            </a:extLst>
+          </p:cNvPr>
+          <p:cNvSpPr/>
+          <p:nvPr/>
+        </p:nvSpPr>
+        <p:spPr>
+          <a:xfrm>
+            <a:off x="4470540" y="434975"/>
+            <a:ext cx="4493538" cy="707886"/>
+          </a:xfrm>
+          <a:prstGeom prst="rect">
+            <a:avLst/>
+          </a:prstGeom>
+          <a:noFill/>
+        </p:spPr>
+        <p:txBody>
+          <a:bodyPr vert="horz" wrap="none" lIns="91440" tIns="45720" rIns="91440" bIns="45720" numCol="1" anchor="t">
+            <a:spAutoFit/>
+          </a:bodyPr>
+          <a:lstStyle/>
+          <a:p>
+            <a:pPr marL="0" indent="0" algn="ctr" defTabSz="508000">
+              <a:buFontTx/>
+              <a:buNone/>
+            </a:pPr>
+            <a:r>
+              <a:rPr lang="en-US" altLang="ko-KR" sz="4000" b="1" dirty="0">
+                <a:effectLst>
+                  <a:outerShdw blurRad="38100" dist="19050" dir="2700000" algn="tl" rotWithShape="0">
+                    <a:schemeClr val="dk1">
+                      <a:alpha val="40000"/>
+                    </a:schemeClr>
+                  </a:outerShdw>
+                </a:effectLst>
+              </a:rPr>
+              <a:t>Service Summary</a:t>
+            </a:r>
+            <a:endParaRPr lang="ko-KR" altLang="en-US" sz="4000" b="1" dirty="0"/>
+          </a:p>
+        </p:txBody>
+      </p:sp>
+      <p:sp>
+        <p:nvSpPr>
+          <p:cNvPr id="4" name="TextBox 3">
+            <a:extLst>
+              <a:ext uri="{FF2B5EF4-FFF2-40B4-BE49-F238E27FC236}">
+                <a16:creationId xmlns:a16="http://schemas.microsoft.com/office/drawing/2014/main" id="{18A1AE52-3E8A-4F94-BC90-725A445EE10F}"/>
+              </a:ext>
+            </a:extLst>
+          </p:cNvPr>
+          <p:cNvSpPr txBox="1"/>
+          <p:nvPr/>
+        </p:nvSpPr>
+        <p:spPr>
+          <a:xfrm>
+            <a:off x="757908" y="1406267"/>
+            <a:ext cx="8390183" cy="5016758"/>
+          </a:xfrm>
+          <a:prstGeom prst="rect">
+            <a:avLst/>
+          </a:prstGeom>
+          <a:noFill/>
+        </p:spPr>
+        <p:txBody>
+          <a:bodyPr wrap="square" rtlCol="0">
+            <a:spAutoFit/>
+          </a:bodyPr>
+          <a:lstStyle/>
+          <a:p>
+            <a:r>
+              <a:rPr lang="ko-KR" altLang="en-US" sz="2000" b="1" dirty="0"/>
+              <a:t>주요기능</a:t>
+            </a:r>
+            <a:endParaRPr lang="en-US" altLang="ko-KR" sz="2000" b="1" dirty="0"/>
+          </a:p>
+          <a:p>
+            <a:r>
+              <a:rPr lang="ko-KR" altLang="en-US" sz="2000" dirty="0"/>
+              <a:t>블루투스 통신을 통한 가전제품 통제하는 어플리케이션</a:t>
+            </a:r>
+            <a:endParaRPr lang="en-US" altLang="ko-KR" sz="2000" dirty="0"/>
+          </a:p>
+          <a:p>
+            <a:r>
+              <a:rPr lang="ko-KR" altLang="en-US" sz="2000" dirty="0" err="1"/>
+              <a:t>자이로</a:t>
+            </a:r>
+            <a:r>
+              <a:rPr lang="ko-KR" altLang="en-US" sz="2000" dirty="0"/>
+              <a:t> 센서를 통한 </a:t>
+            </a:r>
+            <a:r>
+              <a:rPr lang="ko-KR" altLang="en-US" sz="2000" dirty="0" err="1"/>
+              <a:t>운동변화량</a:t>
+            </a:r>
+            <a:r>
+              <a:rPr lang="ko-KR" altLang="en-US" sz="2000" dirty="0"/>
+              <a:t> 측정</a:t>
+            </a:r>
+            <a:endParaRPr lang="en-US" altLang="ko-KR" sz="2000" dirty="0"/>
+          </a:p>
+          <a:p>
+            <a:endParaRPr lang="en-US" altLang="ko-KR" sz="2000" dirty="0"/>
+          </a:p>
+          <a:p>
+            <a:r>
+              <a:rPr lang="ko-KR" altLang="en-US" sz="2000" b="1" dirty="0"/>
+              <a:t>블루투스 통제</a:t>
+            </a:r>
+            <a:endParaRPr lang="en-US" altLang="ko-KR" sz="2000" b="1" dirty="0"/>
+          </a:p>
+          <a:p>
+            <a:r>
+              <a:rPr lang="ko-KR" altLang="en-US" sz="2000" dirty="0"/>
+              <a:t>최초 시작은 블루투스 통신이 되도록 연결 설정을 한다</a:t>
+            </a:r>
+            <a:r>
+              <a:rPr lang="en-US" altLang="ko-KR" sz="2000" dirty="0"/>
+              <a:t>.</a:t>
+            </a:r>
+          </a:p>
+          <a:p>
+            <a:r>
+              <a:rPr lang="ko-KR" altLang="en-US" sz="2000" dirty="0"/>
+              <a:t>연결 설정된 장비들은 근거리에 가면 자동으로 활성화 된다</a:t>
+            </a:r>
+            <a:r>
+              <a:rPr lang="en-US" altLang="ko-KR" sz="2000" dirty="0"/>
+              <a:t>.</a:t>
+            </a:r>
+          </a:p>
+          <a:p>
+            <a:endParaRPr lang="en-US" altLang="ko-KR" sz="2000" dirty="0"/>
+          </a:p>
+          <a:p>
+            <a:r>
+              <a:rPr lang="ko-KR" altLang="en-US" sz="2000" b="1" dirty="0"/>
+              <a:t>어플리케이션 인터페이스</a:t>
+            </a:r>
+            <a:endParaRPr lang="en-US" altLang="ko-KR" sz="2000" b="1" dirty="0"/>
+          </a:p>
+          <a:p>
+            <a:r>
+              <a:rPr lang="ko-KR" altLang="en-US" sz="2000" dirty="0"/>
+              <a:t>운동을 통해 얻은 에너지를 표시하는 이미지를 출력한다</a:t>
+            </a:r>
+            <a:r>
+              <a:rPr lang="en-US" altLang="ko-KR" sz="2000" dirty="0"/>
+              <a:t>.</a:t>
+            </a:r>
+          </a:p>
+          <a:p>
+            <a:r>
+              <a:rPr lang="ko-KR" altLang="en-US" sz="2000" dirty="0"/>
+              <a:t>기기가 연결되면 거기에 맞는 컨트롤화면을 출력하여</a:t>
+            </a:r>
+            <a:r>
+              <a:rPr lang="en-US" altLang="ko-KR" sz="2000" dirty="0"/>
+              <a:t>, </a:t>
+            </a:r>
+            <a:r>
+              <a:rPr lang="ko-KR" altLang="en-US" sz="2000" dirty="0"/>
+              <a:t>기기를 조종한다</a:t>
+            </a:r>
+            <a:r>
+              <a:rPr lang="en-US" altLang="ko-KR" sz="2000" dirty="0"/>
+              <a:t>.</a:t>
+            </a:r>
+          </a:p>
+          <a:p>
+            <a:r>
+              <a:rPr lang="ko-KR" altLang="en-US" sz="2000" dirty="0"/>
+              <a:t>기기 조종 시 에너지가 소모되며</a:t>
+            </a:r>
+            <a:r>
+              <a:rPr lang="en-US" altLang="ko-KR" sz="2000" dirty="0"/>
+              <a:t>, </a:t>
+            </a:r>
+            <a:r>
+              <a:rPr lang="ko-KR" altLang="en-US" sz="2000" dirty="0"/>
+              <a:t>에너지가 없으면 조종을 못한다</a:t>
+            </a:r>
+            <a:r>
+              <a:rPr lang="en-US" altLang="ko-KR" sz="2000" dirty="0"/>
+              <a:t>.</a:t>
+            </a:r>
+          </a:p>
+          <a:p>
+            <a:endParaRPr lang="en-US" altLang="ko-KR" sz="2000" dirty="0"/>
+          </a:p>
+          <a:p>
+            <a:r>
+              <a:rPr lang="ko-KR" altLang="en-US" sz="2000" b="1" dirty="0"/>
+              <a:t>운동시스템</a:t>
+            </a:r>
+            <a:endParaRPr lang="en-US" altLang="ko-KR" sz="2000" b="1" dirty="0"/>
+          </a:p>
+          <a:p>
+            <a:r>
+              <a:rPr lang="ko-KR" altLang="en-US" sz="2000" dirty="0"/>
+              <a:t>가속도와 </a:t>
+            </a:r>
+            <a:r>
+              <a:rPr lang="ko-KR" altLang="en-US" sz="2000" dirty="0" err="1"/>
+              <a:t>자이로</a:t>
+            </a:r>
+            <a:r>
+              <a:rPr lang="ko-KR" altLang="en-US" sz="2000" dirty="0"/>
+              <a:t> 센서를 통해 속도변화</a:t>
+            </a:r>
+            <a:r>
+              <a:rPr lang="en-US" altLang="ko-KR" sz="2000" dirty="0"/>
+              <a:t>, </a:t>
+            </a:r>
+            <a:r>
+              <a:rPr lang="ko-KR" altLang="en-US" sz="2000" dirty="0"/>
+              <a:t>위치변화 등을 감지하여 세기에 따라 에너지를 책정한다</a:t>
+            </a:r>
+            <a:r>
+              <a:rPr lang="en-US" altLang="ko-KR" sz="2000" dirty="0"/>
+              <a:t>.</a:t>
+            </a:r>
+          </a:p>
+        </p:txBody>
+      </p:sp>
+    </p:spTree>
+    <p:extLst>
+      <p:ext uri="{BB962C8B-B14F-4D97-AF65-F5344CB8AC3E}">
+        <p14:creationId xmlns:p14="http://schemas.microsoft.com/office/powerpoint/2010/main" val="3480497539"/>
+      </p:ext>
+    </p:extLst>
+  </p:cSld>
+  <p:clrMapOvr>
+    <a:masterClrMapping/>
+  </p:clrMapOvr>
+</p:sld>
+</file>
+
+<file path=ppt/slides/slide5.xml><?xml version="1.0" encoding="utf-8"?>
+<p:sld xmlns:a="http://schemas.openxmlformats.org/drawingml/2006/main" xmlns:r="http://schemas.openxmlformats.org/officeDocument/2006/relationships" xmlns:p="http://schemas.openxmlformats.org/presentationml/2006/main">
+  <p:cSld>
+    <p:spTree>
+      <p:nvGrpSpPr>
+        <p:cNvPr id="1" name=""/>
+        <p:cNvGrpSpPr/>
+        <p:nvPr/>
+      </p:nvGrpSpPr>
+      <p:grpSpPr>
+        <a:xfrm>
+          <a:off x="0" y="0"/>
+          <a:ext cx="0" cy="0"/>
+          <a:chOff x="0" y="0"/>
+          <a:chExt cx="0" cy="0"/>
+        </a:xfrm>
+      </p:grpSpPr>
+      <p:sp>
+        <p:nvSpPr>
+          <p:cNvPr id="2" name="직사각형 1">
+            <a:extLst>
+              <a:ext uri="{FF2B5EF4-FFF2-40B4-BE49-F238E27FC236}">
+                <a16:creationId xmlns:a16="http://schemas.microsoft.com/office/drawing/2014/main" id="{05E2ACA8-CF14-446C-A9E2-DCF4AFF8EA50}"/>
+              </a:ext>
+            </a:extLst>
+          </p:cNvPr>
+          <p:cNvSpPr/>
+          <p:nvPr/>
+        </p:nvSpPr>
+        <p:spPr>
+          <a:xfrm>
+            <a:off x="4141127" y="434975"/>
+            <a:ext cx="5152373" cy="707886"/>
+          </a:xfrm>
+          <a:prstGeom prst="rect">
+            <a:avLst/>
+          </a:prstGeom>
+          <a:noFill/>
+        </p:spPr>
+        <p:txBody>
+          <a:bodyPr vert="horz" wrap="none" lIns="91440" tIns="45720" rIns="91440" bIns="45720" numCol="1" anchor="t">
+            <a:spAutoFit/>
+          </a:bodyPr>
+          <a:lstStyle/>
+          <a:p>
+            <a:pPr marL="0" indent="0" algn="ctr" defTabSz="508000">
+              <a:buFontTx/>
+              <a:buNone/>
+            </a:pPr>
+            <a:r>
+              <a:rPr lang="en-US" altLang="ko-KR" sz="4000" b="1" dirty="0">
+                <a:effectLst>
+                  <a:outerShdw blurRad="38100" dist="19050" dir="2700000" algn="tl" rotWithShape="0">
+                    <a:schemeClr val="dk1">
+                      <a:alpha val="40000"/>
+                    </a:schemeClr>
+                  </a:outerShdw>
+                </a:effectLst>
+              </a:rPr>
+              <a:t>System Architecture</a:t>
+            </a:r>
+            <a:endParaRPr lang="ko-KR" altLang="en-US" sz="4000" b="1" dirty="0"/>
+          </a:p>
+        </p:txBody>
+      </p:sp>
+      <p:pic>
+        <p:nvPicPr>
+          <p:cNvPr id="5" name="그림 4">
+            <a:extLst>
+              <a:ext uri="{FF2B5EF4-FFF2-40B4-BE49-F238E27FC236}">
+                <a16:creationId xmlns:a16="http://schemas.microsoft.com/office/drawing/2014/main" id="{3C250D9F-8F6F-4614-9EDC-83F78CCD9667}"/>
+              </a:ext>
+            </a:extLst>
+          </p:cNvPr>
+          <p:cNvPicPr>
+            <a:picLocks noChangeAspect="1"/>
+          </p:cNvPicPr>
+          <p:nvPr/>
+        </p:nvPicPr>
+        <p:blipFill>
+          <a:blip r:embed="rId2">
+            <a:extLst>
+              <a:ext uri="{28A0092B-C50C-407E-A947-70E740481C1C}">
+                <a14:useLocalDpi xmlns:a14="http://schemas.microsoft.com/office/drawing/2010/main" val="0"/>
+              </a:ext>
+            </a:extLst>
+          </a:blip>
+          <a:stretch>
+            <a:fillRect/>
+          </a:stretch>
+        </p:blipFill>
+        <p:spPr>
+          <a:xfrm>
+            <a:off x="353438" y="1551306"/>
+            <a:ext cx="9199123" cy="4950801"/>
+          </a:xfrm>
+          <a:prstGeom prst="rect">
+            <a:avLst/>
+          </a:prstGeom>
+        </p:spPr>
+      </p:pic>
+    </p:spTree>
+    <p:extLst>
+      <p:ext uri="{BB962C8B-B14F-4D97-AF65-F5344CB8AC3E}">
+        <p14:creationId xmlns:p14="http://schemas.microsoft.com/office/powerpoint/2010/main" val="1008041934"/>
+      </p:ext>
+    </p:extLst>
+  </p:cSld>
+  <p:clrMapOvr>
+    <a:masterClrMapping/>
+  </p:clrMapOvr>
+</p:sld>
+</file>
+
+<file path=ppt/slides/slide6.xml><?xml version="1.0" encoding="utf-8"?>
+<p:sld xmlns:a="http://schemas.openxmlformats.org/drawingml/2006/main" xmlns:r="http://schemas.openxmlformats.org/officeDocument/2006/relationships" xmlns:p="http://schemas.openxmlformats.org/presentationml/2006/main">
+  <p:cSld>
+    <p:spTree>
+      <p:nvGrpSpPr>
+        <p:cNvPr id="1" name=""/>
+        <p:cNvGrpSpPr/>
+        <p:nvPr/>
+      </p:nvGrpSpPr>
+      <p:grpSpPr>
+        <a:xfrm>
+          <a:off x="0" y="0"/>
+          <a:ext cx="0" cy="0"/>
+          <a:chOff x="0" y="0"/>
+          <a:chExt cx="0" cy="0"/>
+        </a:xfrm>
+      </p:grpSpPr>
+      <p:sp>
+        <p:nvSpPr>
+          <p:cNvPr id="3" name="직사각형 2">
+            <a:extLst>
+              <a:ext uri="{FF2B5EF4-FFF2-40B4-BE49-F238E27FC236}">
+                <a16:creationId xmlns:a16="http://schemas.microsoft.com/office/drawing/2014/main" id="{395143CD-1FE9-41CC-88AB-8BC072125ED3}"/>
+              </a:ext>
+            </a:extLst>
+          </p:cNvPr>
+          <p:cNvSpPr/>
+          <p:nvPr/>
+        </p:nvSpPr>
+        <p:spPr>
+          <a:xfrm>
+            <a:off x="2552343" y="2413337"/>
+            <a:ext cx="4801315" cy="1015663"/>
+          </a:xfrm>
+          <a:prstGeom prst="rect">
+            <a:avLst/>
+          </a:prstGeom>
+          <a:noFill/>
+        </p:spPr>
+        <p:txBody>
+          <a:bodyPr vert="horz" wrap="none" lIns="91440" tIns="45720" rIns="91440" bIns="45720" numCol="1" anchor="t">
+            <a:spAutoFit/>
+          </a:bodyPr>
+          <a:lstStyle/>
+          <a:p>
+            <a:pPr marL="0" indent="0" algn="ctr" defTabSz="508000">
+              <a:buFontTx/>
+              <a:buNone/>
+            </a:pPr>
+            <a:r>
+              <a:rPr lang="ko-KR" altLang="en-US" sz="6000" b="1" dirty="0"/>
+              <a:t>참고기술조사</a:t>
+            </a:r>
+          </a:p>
+        </p:txBody>
+      </p:sp>
+    </p:spTree>
+    <p:extLst>
+      <p:ext uri="{BB962C8B-B14F-4D97-AF65-F5344CB8AC3E}">
+        <p14:creationId xmlns:p14="http://schemas.microsoft.com/office/powerpoint/2010/main" val="1140352225"/>
+      </p:ext>
+    </p:extLst>
+  </p:cSld>
+  <p:clrMapOvr>
+    <a:masterClrMapping/>
+  </p:clrMapOvr>
+</p:sld>
+</file>
+
+<file path=ppt/slides/slide7.xml><?xml version="1.0" encoding="utf-8"?>
+<p:sld xmlns:a="http://schemas.openxmlformats.org/drawingml/2006/main" xmlns:r="http://schemas.openxmlformats.org/officeDocument/2006/relationships" xmlns:p="http://schemas.openxmlformats.org/presentationml/2006/main">
+  <p:cSld>
+    <p:spTree>
+      <p:nvGrpSpPr>
+        <p:cNvPr id="1" name=""/>
+        <p:cNvGrpSpPr/>
+        <p:nvPr/>
+      </p:nvGrpSpPr>
+      <p:grpSpPr>
+        <a:xfrm>
+          <a:off x="0" y="0"/>
+          <a:ext cx="0" cy="0"/>
+          <a:chOff x="0" y="0"/>
+          <a:chExt cx="0" cy="0"/>
+        </a:xfrm>
+      </p:grpSpPr>
+      <p:sp>
+        <p:nvSpPr>
+          <p:cNvPr id="2" name="직사각형 1">
+            <a:extLst>
+              <a:ext uri="{FF2B5EF4-FFF2-40B4-BE49-F238E27FC236}">
+                <a16:creationId xmlns:a16="http://schemas.microsoft.com/office/drawing/2014/main" id="{112D2D94-88CC-4041-BCB4-ACC28B40CBFB}"/>
+              </a:ext>
+            </a:extLst>
+          </p:cNvPr>
+          <p:cNvSpPr/>
+          <p:nvPr/>
+        </p:nvSpPr>
+        <p:spPr>
+          <a:xfrm>
+            <a:off x="5749290" y="434975"/>
+            <a:ext cx="2804160" cy="831215"/>
+          </a:xfrm>
+          <a:prstGeom prst="rect">
+            <a:avLst/>
+          </a:prstGeom>
+          <a:noFill/>
+        </p:spPr>
+        <p:txBody>
+          <a:bodyPr wrap="none" lIns="91440" tIns="45720" rIns="91440" bIns="45720">
+            <a:spAutoFit/>
+          </a:bodyPr>
+          <a:lstStyle/>
+          <a:p>
+            <a:pPr algn="ctr"/>
+            <a:r>
+              <a:rPr lang="en-US" altLang="ko-KR" sz="4800" b="1" cap="none" spc="0" dirty="0">
+                <a:ln w="0"/>
+                <a:solidFill>
+                  <a:schemeClr val="tx1"/>
+                </a:solidFill>
+                <a:effectLst>
+                  <a:outerShdw blurRad="38100" dist="19050" dir="2700000" algn="tl" rotWithShape="0">
+                    <a:schemeClr val="dk1">
+                      <a:alpha val="40000"/>
+                    </a:schemeClr>
+                  </a:outerShdw>
+                </a:effectLst>
+              </a:rPr>
+              <a:t>IoT vs RC</a:t>
+            </a:r>
+          </a:p>
+        </p:txBody>
+      </p:sp>
+      <p:sp>
+        <p:nvSpPr>
+          <p:cNvPr id="3" name="TextBox 2"/>
+          <p:cNvSpPr txBox="1">
+            <a:spLocks/>
+          </p:cNvSpPr>
+          <p:nvPr/>
+        </p:nvSpPr>
+        <p:spPr>
+          <a:xfrm>
+            <a:off x="984250" y="2110740"/>
+            <a:ext cx="7954010" cy="2858135"/>
+          </a:xfrm>
+          <a:prstGeom prst="rect">
+            <a:avLst/>
+          </a:prstGeom>
+          <a:noFill/>
+        </p:spPr>
+        <p:txBody>
+          <a:bodyPr vert="horz" wrap="square" lIns="91440" tIns="45720" rIns="91440" bIns="45720" numCol="1" anchor="t">
+            <a:spAutoFit/>
+          </a:bodyPr>
+          <a:lstStyle/>
+          <a:p>
+            <a:pPr marL="0" indent="0" defTabSz="508000">
+              <a:buFontTx/>
+              <a:buNone/>
+            </a:pPr>
+            <a:r>
+              <a:rPr lang="en-US" altLang="ko-KR" sz="2000" b="1" dirty="0"/>
+              <a:t>IoT(Internet of Things)</a:t>
+            </a:r>
+            <a:endParaRPr lang="ko-KR" altLang="en-US" sz="2000" b="1" dirty="0"/>
+          </a:p>
+          <a:p>
+            <a:pPr marL="0" indent="0" defTabSz="508000">
+              <a:buFontTx/>
+              <a:buNone/>
+            </a:pPr>
+            <a:r>
+              <a:rPr lang="ko-KR" altLang="en-US" sz="2000" dirty="0"/>
+              <a:t>각종 사물에 센서와 통신 기능을 내장하여 인터넷에 연결하는 기술</a:t>
+            </a:r>
+            <a:r>
+              <a:rPr lang="en-US" altLang="ko-KR" sz="2000" dirty="0"/>
+              <a:t>.</a:t>
+            </a:r>
+            <a:endParaRPr lang="ko-KR" altLang="en-US" sz="2000" dirty="0"/>
+          </a:p>
+          <a:p>
+            <a:pPr marL="0" indent="0" defTabSz="508000">
+              <a:buFontTx/>
+              <a:buNone/>
+            </a:pPr>
+            <a:r>
+              <a:rPr lang="ko-KR" altLang="en-US" sz="2000" dirty="0"/>
+              <a:t>즉</a:t>
+            </a:r>
+            <a:r>
+              <a:rPr lang="en-US" altLang="ko-KR" sz="2000" dirty="0"/>
+              <a:t>, </a:t>
+            </a:r>
+            <a:r>
+              <a:rPr lang="ko-KR" altLang="en-US" sz="2000" dirty="0"/>
+              <a:t>무선 통신을 통해 각종 사물을 연결하는 기술을 의미한다</a:t>
+            </a:r>
+            <a:r>
+              <a:rPr lang="en-US" altLang="ko-KR" sz="2000" dirty="0"/>
+              <a:t>.</a:t>
+            </a:r>
+            <a:endParaRPr lang="ko-KR" altLang="en-US" sz="2000" dirty="0"/>
+          </a:p>
+          <a:p>
+            <a:pPr marL="0" indent="0" defTabSz="508000">
+              <a:buFontTx/>
+              <a:buNone/>
+            </a:pPr>
+            <a:endParaRPr lang="ko-KR" altLang="en-US" sz="2000" dirty="0"/>
+          </a:p>
+          <a:p>
+            <a:pPr marL="0" indent="0" defTabSz="508000">
+              <a:buFontTx/>
+              <a:buNone/>
+            </a:pPr>
+            <a:r>
+              <a:rPr lang="en-US" altLang="ko-KR" sz="2000" b="1" dirty="0"/>
+              <a:t>RC(Remote Control)</a:t>
+            </a:r>
+            <a:endParaRPr lang="ko-KR" altLang="en-US" sz="2000" b="1" dirty="0"/>
+          </a:p>
+          <a:p>
+            <a:pPr marL="0" indent="0" defTabSz="508000">
+              <a:buFontTx/>
+              <a:buNone/>
+            </a:pPr>
+            <a:r>
+              <a:rPr lang="ko-KR" altLang="en-US" sz="2000" dirty="0"/>
+              <a:t>멀리 떨어져 있는 기기나 기계의 원격 제어에 쓰이는 전자 장치</a:t>
+            </a:r>
+            <a:r>
+              <a:rPr lang="en-US" altLang="ko-KR" sz="2000" dirty="0"/>
+              <a:t>.</a:t>
+            </a:r>
+            <a:endParaRPr lang="ko-KR" altLang="en-US" sz="2000" dirty="0"/>
+          </a:p>
+          <a:p>
+            <a:pPr marL="0" indent="0" defTabSz="508000">
+              <a:buFontTx/>
+              <a:buNone/>
+            </a:pPr>
+            <a:endParaRPr lang="ko-KR" altLang="en-US" sz="2000" dirty="0"/>
+          </a:p>
+          <a:p>
+            <a:pPr marL="0" indent="0" defTabSz="508000">
+              <a:buFontTx/>
+              <a:buNone/>
+            </a:pPr>
+            <a:r>
+              <a:rPr lang="en-US" altLang="ko-KR" sz="2000" b="1" dirty="0"/>
+              <a:t>RC(Radio</a:t>
+            </a:r>
+            <a:r>
+              <a:rPr lang="ko-KR" altLang="en-US" sz="2000" b="1" dirty="0"/>
+              <a:t> </a:t>
+            </a:r>
+            <a:r>
+              <a:rPr lang="en-US" altLang="ko-KR" sz="2000" b="1" dirty="0"/>
+              <a:t>Control)</a:t>
+            </a:r>
+            <a:endParaRPr lang="ko-KR" altLang="en-US" sz="2000" b="1" dirty="0"/>
+          </a:p>
+          <a:p>
+            <a:pPr marL="0" indent="0" defTabSz="508000">
+              <a:buFontTx/>
+              <a:buNone/>
+            </a:pPr>
+            <a:r>
+              <a:rPr lang="ko-KR" altLang="en-US" sz="2000" dirty="0"/>
+              <a:t>무선에 의해 원격 조작하는 것</a:t>
+            </a:r>
+            <a:r>
+              <a:rPr lang="en-US" altLang="ko-KR" sz="2000" dirty="0"/>
+              <a:t>.</a:t>
+            </a:r>
+            <a:endParaRPr lang="ko-KR" altLang="en-US" sz="2000" dirty="0"/>
+          </a:p>
+        </p:txBody>
+      </p:sp>
+    </p:spTree>
+    <p:extLst>
+      <p:ext uri="{BB962C8B-B14F-4D97-AF65-F5344CB8AC3E}">
+        <p14:creationId xmlns:p14="http://schemas.microsoft.com/office/powerpoint/2010/main" val="812840777"/>
+      </p:ext>
+    </p:extLst>
+  </p:cSld>
+  <p:clrMapOvr>
+    <a:masterClrMapping/>
+  </p:clrMapOvr>
+</p:sld>
+</file>
+
+<file path=ppt/slides/slide8.xml><?xml version="1.0" encoding="utf-8"?>
+<p:sld xmlns:a="http://schemas.openxmlformats.org/drawingml/2006/main" xmlns:r="http://schemas.openxmlformats.org/officeDocument/2006/relationships" xmlns:p="http://schemas.openxmlformats.org/presentationml/2006/main">
+  <p:cSld>
+    <p:spTree>
+      <p:nvGrpSpPr>
+        <p:cNvPr id="1" name=""/>
+        <p:cNvGrpSpPr/>
+        <p:nvPr/>
+      </p:nvGrpSpPr>
+      <p:grpSpPr>
+        <a:xfrm>
+          <a:off x="0" y="0"/>
+          <a:ext cx="0" cy="0"/>
+          <a:chOff x="0" y="0"/>
+          <a:chExt cx="0" cy="0"/>
+        </a:xfrm>
+      </p:grpSpPr>
+      <p:sp>
+        <p:nvSpPr>
+          <p:cNvPr id="3" name="직사각형 2">
+            <a:extLst>
+              <a:ext uri="{FF2B5EF4-FFF2-40B4-BE49-F238E27FC236}">
+                <a16:creationId xmlns:a16="http://schemas.microsoft.com/office/drawing/2014/main" id="{395143CD-1FE9-41CC-88AB-8BC072125ED3}"/>
+              </a:ext>
+            </a:extLst>
+          </p:cNvPr>
+          <p:cNvSpPr/>
+          <p:nvPr/>
+        </p:nvSpPr>
+        <p:spPr>
+          <a:xfrm>
+            <a:off x="4167508" y="434975"/>
+            <a:ext cx="4945585" cy="707886"/>
+          </a:xfrm>
+          <a:prstGeom prst="rect">
+            <a:avLst/>
+          </a:prstGeom>
+          <a:noFill/>
+        </p:spPr>
+        <p:txBody>
+          <a:bodyPr vert="horz" wrap="none" lIns="91440" tIns="45720" rIns="91440" bIns="45720" numCol="1" anchor="t">
+            <a:spAutoFit/>
+          </a:bodyPr>
+          <a:lstStyle/>
+          <a:p>
+            <a:pPr marL="0" indent="0" algn="ctr" defTabSz="508000">
+              <a:buFontTx/>
+              <a:buNone/>
+            </a:pPr>
+            <a:r>
+              <a:rPr lang="ko-KR" altLang="en-US" sz="4000" b="1" dirty="0">
+                <a:effectLst>
+                  <a:outerShdw blurRad="38100" dist="19050" dir="2700000" algn="tl" rotWithShape="0">
+                    <a:schemeClr val="dk1">
+                      <a:alpha val="40000"/>
+                    </a:schemeClr>
+                  </a:outerShdw>
+                </a:effectLst>
+              </a:rPr>
+              <a:t>스마트폰과 무선조종</a:t>
+            </a:r>
+            <a:endParaRPr lang="ko-KR" altLang="en-US" sz="4000" b="1" dirty="0"/>
+          </a:p>
+        </p:txBody>
+      </p:sp>
+      <p:sp>
+        <p:nvSpPr>
+          <p:cNvPr id="4" name="TextBox 3">
+            <a:extLst>
+              <a:ext uri="{FF2B5EF4-FFF2-40B4-BE49-F238E27FC236}">
+                <a16:creationId xmlns:a16="http://schemas.microsoft.com/office/drawing/2014/main" id="{7993B415-610A-4DEB-881C-EAC3BCC17A78}"/>
+              </a:ext>
+            </a:extLst>
+          </p:cNvPr>
+          <p:cNvSpPr txBox="1">
+            <a:spLocks/>
+          </p:cNvSpPr>
+          <p:nvPr/>
+        </p:nvSpPr>
+        <p:spPr>
+          <a:xfrm>
+            <a:off x="888578" y="2437999"/>
+            <a:ext cx="8128843" cy="2246769"/>
+          </a:xfrm>
+          <a:prstGeom prst="rect">
+            <a:avLst/>
+          </a:prstGeom>
+          <a:noFill/>
+        </p:spPr>
+        <p:txBody>
+          <a:bodyPr vert="horz" wrap="square" lIns="91440" tIns="45720" rIns="91440" bIns="45720" numCol="1" anchor="t">
+            <a:spAutoFit/>
+          </a:bodyPr>
+          <a:lstStyle/>
+          <a:p>
+            <a:pPr marL="0" indent="0" defTabSz="508000">
+              <a:buFontTx/>
+              <a:buNone/>
+            </a:pPr>
+            <a:r>
+              <a:rPr lang="en-US" altLang="ko-KR" sz="2000" b="1" dirty="0"/>
+              <a:t>BLE(Bluetooth</a:t>
+            </a:r>
+            <a:r>
+              <a:rPr lang="ko-KR" altLang="en-US" sz="2000" b="1" dirty="0"/>
+              <a:t> </a:t>
+            </a:r>
+            <a:r>
+              <a:rPr lang="en-US" altLang="ko-KR" sz="2000" b="1" dirty="0"/>
+              <a:t>Low</a:t>
+            </a:r>
+            <a:r>
+              <a:rPr lang="ko-KR" altLang="en-US" sz="2000" b="1" dirty="0"/>
+              <a:t> </a:t>
+            </a:r>
+            <a:r>
+              <a:rPr lang="en-US" altLang="ko-KR" sz="2000" b="1" dirty="0"/>
+              <a:t>Energy)</a:t>
+            </a:r>
+          </a:p>
+          <a:p>
+            <a:pPr marL="0" indent="0" defTabSz="508000">
+              <a:buFontTx/>
+              <a:buNone/>
+            </a:pPr>
+            <a:r>
+              <a:rPr lang="en-US" altLang="ko-KR" sz="2000" dirty="0"/>
+              <a:t>2010</a:t>
+            </a:r>
+            <a:r>
+              <a:rPr lang="ko-KR" altLang="en-US" sz="2000" dirty="0"/>
+              <a:t>년 </a:t>
+            </a:r>
+            <a:r>
+              <a:rPr lang="en-US" altLang="ko-KR" sz="2000" dirty="0"/>
+              <a:t>6</a:t>
+            </a:r>
+            <a:r>
+              <a:rPr lang="ko-KR" altLang="en-US" sz="2000" dirty="0"/>
+              <a:t>월 </a:t>
+            </a:r>
+            <a:r>
+              <a:rPr lang="en-US" altLang="ko-KR" sz="2000" dirty="0"/>
+              <a:t>30</a:t>
+            </a:r>
+            <a:r>
+              <a:rPr lang="ko-KR" altLang="en-US" sz="2000" dirty="0"/>
+              <a:t>일에 채택된 이후로 배포되는 저전력 블루투스 프로토콜</a:t>
+            </a:r>
+            <a:r>
+              <a:rPr lang="en-US" altLang="ko-KR" sz="2000" dirty="0"/>
+              <a:t>.</a:t>
+            </a:r>
+          </a:p>
+          <a:p>
+            <a:pPr marL="0" indent="0" defTabSz="508000">
+              <a:buFontTx/>
+              <a:buNone/>
+            </a:pPr>
+            <a:endParaRPr lang="en-US" altLang="ko-KR" sz="2000" dirty="0"/>
+          </a:p>
+          <a:p>
+            <a:pPr marL="0" indent="0" defTabSz="508000">
+              <a:buFontTx/>
+              <a:buNone/>
+            </a:pPr>
+            <a:r>
+              <a:rPr lang="ko-KR" altLang="en-US" sz="2000" b="1" dirty="0" err="1"/>
+              <a:t>주요스펙</a:t>
+            </a:r>
+            <a:endParaRPr lang="en-US" altLang="ko-KR" sz="2000" b="1" dirty="0"/>
+          </a:p>
+          <a:p>
+            <a:pPr marL="0" indent="0" defTabSz="508000">
+              <a:buFontTx/>
+              <a:buNone/>
+            </a:pPr>
+            <a:r>
+              <a:rPr lang="en-US" altLang="ko-KR" sz="2000" dirty="0"/>
+              <a:t>Classic Bluetooth </a:t>
+            </a:r>
+            <a:r>
+              <a:rPr lang="ko-KR" altLang="en-US" sz="2000" dirty="0"/>
+              <a:t>지원</a:t>
+            </a:r>
+            <a:r>
+              <a:rPr lang="en-US" altLang="ko-KR" sz="2000" dirty="0"/>
+              <a:t>.</a:t>
+            </a:r>
+          </a:p>
+          <a:p>
+            <a:pPr marL="0" indent="0" defTabSz="508000">
+              <a:buFontTx/>
+              <a:buNone/>
+            </a:pPr>
+            <a:r>
+              <a:rPr lang="en-US" altLang="ko-KR" sz="2000" dirty="0"/>
+              <a:t>Bluetooth high speed </a:t>
+            </a:r>
+            <a:r>
+              <a:rPr lang="ko-KR" altLang="en-US" sz="2000" dirty="0"/>
+              <a:t>지원</a:t>
+            </a:r>
+            <a:r>
+              <a:rPr lang="en-US" altLang="ko-KR" sz="2000" dirty="0"/>
+              <a:t>.</a:t>
+            </a:r>
+          </a:p>
+          <a:p>
+            <a:pPr marL="0" indent="0" defTabSz="508000">
+              <a:buFontTx/>
+              <a:buNone/>
+            </a:pPr>
+            <a:r>
+              <a:rPr lang="en-US" altLang="ko-KR" sz="2000" dirty="0"/>
+              <a:t>Bluetooth low energy </a:t>
+            </a:r>
+            <a:r>
+              <a:rPr lang="ko-KR" altLang="en-US" sz="2000" dirty="0"/>
+              <a:t>프로토콜 포함</a:t>
+            </a:r>
+            <a:r>
+              <a:rPr lang="en-US" altLang="ko-KR" sz="2000" dirty="0"/>
+              <a:t>.</a:t>
+            </a:r>
+          </a:p>
+        </p:txBody>
+      </p:sp>
+      <p:sp>
+        <p:nvSpPr>
+          <p:cNvPr id="2" name="TextBox 1">
+            <a:extLst>
+              <a:ext uri="{FF2B5EF4-FFF2-40B4-BE49-F238E27FC236}">
+                <a16:creationId xmlns:a16="http://schemas.microsoft.com/office/drawing/2014/main" id="{6A88AA75-CBC2-4C95-942A-174BEF0C0C8D}"/>
+              </a:ext>
+            </a:extLst>
+          </p:cNvPr>
+          <p:cNvSpPr txBox="1"/>
+          <p:nvPr/>
+        </p:nvSpPr>
+        <p:spPr>
+          <a:xfrm>
+            <a:off x="5938024" y="1142861"/>
+            <a:ext cx="1404552" cy="707886"/>
+          </a:xfrm>
+          <a:prstGeom prst="rect">
+            <a:avLst/>
+          </a:prstGeom>
+          <a:noFill/>
+        </p:spPr>
+        <p:txBody>
+          <a:bodyPr wrap="none" rtlCol="0">
+            <a:spAutoFit/>
+          </a:bodyPr>
+          <a:lstStyle/>
+          <a:p>
+            <a:r>
+              <a:rPr lang="en-US" altLang="ko-KR" sz="4000" b="1" dirty="0"/>
+              <a:t>-BLE-</a:t>
+            </a:r>
+            <a:endParaRPr lang="ko-KR" altLang="en-US" sz="4000" b="1" dirty="0"/>
+          </a:p>
+        </p:txBody>
+      </p:sp>
+    </p:spTree>
+    <p:extLst>
+      <p:ext uri="{BB962C8B-B14F-4D97-AF65-F5344CB8AC3E}">
+        <p14:creationId xmlns:p14="http://schemas.microsoft.com/office/powerpoint/2010/main" val="3673009662"/>
+      </p:ext>
+    </p:extLst>
+  </p:cSld>
+  <p:clrMapOvr>
+    <a:masterClrMapping/>
+  </p:clrMapOvr>
+</p:sld>
+</file>
+
+<file path=ppt/slides/slide9.xml><?xml version="1.0" encoding="utf-8"?>
+<p:sld xmlns:a="http://schemas.openxmlformats.org/drawingml/2006/main" xmlns:r="http://schemas.openxmlformats.org/officeDocument/2006/relationships" xmlns:p="http://schemas.openxmlformats.org/presentationml/2006/main">
+  <p:cSld>
+    <p:spTree>
+      <p:nvGrpSpPr>
+        <p:cNvPr id="1" name=""/>
+        <p:cNvGrpSpPr/>
+        <p:nvPr/>
+      </p:nvGrpSpPr>
+      <p:grpSpPr>
+        <a:xfrm>
+          <a:off x="0" y="0"/>
+          <a:ext cx="0" cy="0"/>
+          <a:chOff x="0" y="0"/>
+          <a:chExt cx="0" cy="0"/>
+        </a:xfrm>
+      </p:grpSpPr>
+      <p:sp>
+        <p:nvSpPr>
+          <p:cNvPr id="3" name="직사각형 2">
+            <a:extLst>
+              <a:ext uri="{FF2B5EF4-FFF2-40B4-BE49-F238E27FC236}">
+                <a16:creationId xmlns:a16="http://schemas.microsoft.com/office/drawing/2014/main" id="{395143CD-1FE9-41CC-88AB-8BC072125ED3}"/>
+              </a:ext>
+            </a:extLst>
+          </p:cNvPr>
+          <p:cNvSpPr/>
+          <p:nvPr/>
+        </p:nvSpPr>
+        <p:spPr>
+          <a:xfrm>
+            <a:off x="4167508" y="434975"/>
+            <a:ext cx="4945585" cy="707886"/>
+          </a:xfrm>
+          <a:prstGeom prst="rect">
+            <a:avLst/>
+          </a:prstGeom>
+          <a:noFill/>
+        </p:spPr>
+        <p:txBody>
+          <a:bodyPr vert="horz" wrap="none" lIns="91440" tIns="45720" rIns="91440" bIns="45720" numCol="1" anchor="t">
+            <a:spAutoFit/>
+          </a:bodyPr>
+          <a:lstStyle/>
+          <a:p>
+            <a:pPr marL="0" indent="0" algn="ctr" defTabSz="508000">
+              <a:buFontTx/>
+              <a:buNone/>
+            </a:pPr>
+            <a:r>
+              <a:rPr lang="ko-KR" altLang="en-US" sz="4000" b="1" dirty="0">
+                <a:effectLst>
+                  <a:outerShdw blurRad="38100" dist="19050" dir="2700000" algn="tl" rotWithShape="0">
+                    <a:schemeClr val="dk1">
+                      <a:alpha val="40000"/>
+                    </a:schemeClr>
+                  </a:outerShdw>
+                </a:effectLst>
+              </a:rPr>
+              <a:t>스마트폰과 무선조종</a:t>
+            </a:r>
+            <a:endParaRPr lang="ko-KR" altLang="en-US" sz="4000" b="1" dirty="0"/>
+          </a:p>
+        </p:txBody>
+      </p:sp>
+      <p:sp>
+        <p:nvSpPr>
+          <p:cNvPr id="4" name="TextBox 3">
+            <a:extLst>
+              <a:ext uri="{FF2B5EF4-FFF2-40B4-BE49-F238E27FC236}">
+                <a16:creationId xmlns:a16="http://schemas.microsoft.com/office/drawing/2014/main" id="{7993B415-610A-4DEB-881C-EAC3BCC17A78}"/>
+              </a:ext>
+            </a:extLst>
+          </p:cNvPr>
+          <p:cNvSpPr txBox="1">
+            <a:spLocks/>
+          </p:cNvSpPr>
+          <p:nvPr/>
+        </p:nvSpPr>
+        <p:spPr>
+          <a:xfrm>
+            <a:off x="888578" y="2445201"/>
+            <a:ext cx="8128843" cy="2554545"/>
+          </a:xfrm>
+          <a:prstGeom prst="rect">
+            <a:avLst/>
+          </a:prstGeom>
+          <a:noFill/>
+        </p:spPr>
+        <p:txBody>
+          <a:bodyPr vert="horz" wrap="square" lIns="91440" tIns="45720" rIns="91440" bIns="45720" numCol="1" anchor="t">
+            <a:spAutoFit/>
+          </a:bodyPr>
+          <a:lstStyle/>
+          <a:p>
+            <a:pPr marL="0" indent="0" defTabSz="508000">
+              <a:buFontTx/>
+              <a:buNone/>
+            </a:pPr>
+            <a:r>
+              <a:rPr lang="en-US" altLang="ko-KR" sz="2000" b="1" dirty="0"/>
+              <a:t>MST(Magnetic Secure Transmission)</a:t>
+            </a:r>
+          </a:p>
+          <a:p>
+            <a:pPr marL="0" indent="0" defTabSz="508000">
+              <a:buFontTx/>
+              <a:buNone/>
+            </a:pPr>
+            <a:r>
+              <a:rPr lang="ko-KR" altLang="en-US" sz="2000" dirty="0"/>
+              <a:t>전통적인 지불카드에서 결재하는 방식인 </a:t>
+            </a:r>
+            <a:r>
+              <a:rPr lang="ko-KR" altLang="en-US" sz="2000" dirty="0" err="1"/>
+              <a:t>자기띠</a:t>
+            </a:r>
+            <a:r>
+              <a:rPr lang="ko-KR" altLang="en-US" sz="2000" dirty="0"/>
+              <a:t> 형성을 통한 </a:t>
+            </a:r>
+            <a:r>
+              <a:rPr lang="en-US" altLang="ko-KR" sz="2000" dirty="0"/>
+              <a:t>RFID </a:t>
+            </a:r>
+            <a:r>
+              <a:rPr lang="ko-KR" altLang="en-US" sz="2000" dirty="0"/>
+              <a:t>신호를 모방하여 스마트폰과 같은 장치에서도 신호를 송출하는 기술</a:t>
+            </a:r>
+            <a:r>
+              <a:rPr lang="en-US" altLang="ko-KR" sz="2000" dirty="0"/>
+              <a:t>.</a:t>
+            </a:r>
+          </a:p>
+          <a:p>
+            <a:pPr marL="0" indent="0" defTabSz="508000">
+              <a:buFontTx/>
+              <a:buNone/>
+            </a:pPr>
+            <a:endParaRPr lang="en-US" altLang="ko-KR" sz="2000" dirty="0"/>
+          </a:p>
+          <a:p>
+            <a:pPr marL="0" indent="0" defTabSz="508000">
+              <a:buFontTx/>
+              <a:buNone/>
+            </a:pPr>
+            <a:r>
+              <a:rPr lang="ko-KR" altLang="en-US" sz="2000" b="1" dirty="0" err="1"/>
+              <a:t>주요스펙</a:t>
+            </a:r>
+            <a:endParaRPr lang="en-US" altLang="ko-KR" sz="2000" b="1" dirty="0"/>
+          </a:p>
+          <a:p>
+            <a:pPr marL="0" indent="0" defTabSz="508000">
+              <a:buFontTx/>
+              <a:buNone/>
+            </a:pPr>
+            <a:r>
+              <a:rPr lang="ko-KR" altLang="en-US" sz="2000" dirty="0"/>
+              <a:t>마그네틱 카드 리더기에서 </a:t>
+            </a:r>
+            <a:r>
+              <a:rPr lang="en-US" altLang="ko-KR" sz="2000" dirty="0"/>
+              <a:t>3</a:t>
+            </a:r>
+            <a:r>
+              <a:rPr lang="ko-KR" altLang="en-US" sz="2000" dirty="0"/>
+              <a:t>인치 내의 거리에서 전송가능</a:t>
+            </a:r>
+            <a:r>
+              <a:rPr lang="en-US" altLang="ko-KR" sz="2000" dirty="0"/>
+              <a:t>.</a:t>
+            </a:r>
+          </a:p>
+          <a:p>
+            <a:pPr marL="0" indent="0" defTabSz="508000">
+              <a:buFontTx/>
+              <a:buNone/>
+            </a:pPr>
+            <a:r>
+              <a:rPr lang="ko-KR" altLang="en-US" sz="2000" dirty="0"/>
+              <a:t>물리적인 전송 외에</a:t>
+            </a:r>
+            <a:r>
+              <a:rPr lang="en-US" altLang="ko-KR" sz="2000" dirty="0"/>
+              <a:t>, </a:t>
+            </a:r>
+            <a:r>
+              <a:rPr lang="ko-KR" altLang="en-US" sz="2000" dirty="0"/>
+              <a:t>자기 띠 카드 시스템에 대한 변경이 없다</a:t>
+            </a:r>
+            <a:r>
+              <a:rPr lang="en-US" altLang="ko-KR" sz="2000" dirty="0"/>
+              <a:t>.</a:t>
+            </a:r>
+          </a:p>
+          <a:p>
+            <a:pPr marL="0" indent="0" defTabSz="508000">
+              <a:buFontTx/>
+              <a:buNone/>
+            </a:pPr>
+            <a:r>
+              <a:rPr lang="ko-KR" altLang="en-US" sz="2000" dirty="0"/>
+              <a:t>동적으로 전송되는 정보에 대해서 토큰화가 허용된다</a:t>
+            </a:r>
+            <a:r>
+              <a:rPr lang="en-US" altLang="ko-KR" sz="2000" dirty="0"/>
+              <a:t>.</a:t>
+            </a:r>
+          </a:p>
+        </p:txBody>
+      </p:sp>
+      <p:sp>
+        <p:nvSpPr>
+          <p:cNvPr id="2" name="TextBox 1">
+            <a:extLst>
+              <a:ext uri="{FF2B5EF4-FFF2-40B4-BE49-F238E27FC236}">
+                <a16:creationId xmlns:a16="http://schemas.microsoft.com/office/drawing/2014/main" id="{6A88AA75-CBC2-4C95-942A-174BEF0C0C8D}"/>
+              </a:ext>
+            </a:extLst>
+          </p:cNvPr>
+          <p:cNvSpPr txBox="1"/>
+          <p:nvPr/>
+        </p:nvSpPr>
+        <p:spPr>
+          <a:xfrm>
+            <a:off x="5861882" y="1142861"/>
+            <a:ext cx="1556836" cy="707886"/>
+          </a:xfrm>
+          <a:prstGeom prst="rect">
+            <a:avLst/>
+          </a:prstGeom>
+          <a:noFill/>
+        </p:spPr>
+        <p:txBody>
+          <a:bodyPr wrap="none" rtlCol="0">
+            <a:spAutoFit/>
+          </a:bodyPr>
+          <a:lstStyle/>
+          <a:p>
+            <a:r>
+              <a:rPr lang="en-US" altLang="ko-KR" sz="4000" b="1" dirty="0"/>
+              <a:t>-MST-</a:t>
+            </a:r>
+            <a:endParaRPr lang="ko-KR" altLang="en-US" sz="4000" b="1" dirty="0"/>
+          </a:p>
+        </p:txBody>
+      </p:sp>
+    </p:spTree>
+    <p:extLst>
+      <p:ext uri="{BB962C8B-B14F-4D97-AF65-F5344CB8AC3E}">
+        <p14:creationId xmlns:p14="http://schemas.microsoft.com/office/powerpoint/2010/main" val="1150174567"/>
       </p:ext>
     </p:extLst>
   </p:cSld>
